--- a/Capstone 2.pptx
+++ b/Capstone 2.pptx
@@ -17,6 +17,8 @@
     <p:sldId id="266" r:id="rId11"/>
     <p:sldId id="263" r:id="rId12"/>
     <p:sldId id="268" r:id="rId13"/>
+    <p:sldId id="269" r:id="rId14"/>
+    <p:sldId id="270" r:id="rId15"/>
   </p:sldIdLst>
   <p:sldSz cx="9144000" cy="6858000" type="screen4x3"/>
   <p:notesSz cx="6858000" cy="9144000"/>
@@ -115,6 +117,11 @@
       </a:defRPr>
     </a:lvl9pPr>
   </p:defaultTextStyle>
+  <p:extLst>
+    <p:ext uri="{EFAFB233-063F-42B5-8137-9DF3F51BA10A}">
+      <p15:sldGuideLst xmlns:p15="http://schemas.microsoft.com/office/powerpoint/2012/main"/>
+    </p:ext>
+  </p:extLst>
 </p:presentation>
 </file>
 
@@ -249,7 +256,7 @@
           <a:p>
             <a:fld id="{7DD7521D-5F7F-49B1-9544-B9AD879250E9}" type="datetimeFigureOut">
               <a:rPr lang="en-CA" smtClean="0"/>
-              <a:t>2018-04-12</a:t>
+              <a:t>2018-04-20</a:t>
             </a:fld>
             <a:endParaRPr lang="en-CA"/>
           </a:p>
@@ -419,7 +426,7 @@
           <a:p>
             <a:fld id="{7DD7521D-5F7F-49B1-9544-B9AD879250E9}" type="datetimeFigureOut">
               <a:rPr lang="en-CA" smtClean="0"/>
-              <a:t>2018-04-12</a:t>
+              <a:t>2018-04-20</a:t>
             </a:fld>
             <a:endParaRPr lang="en-CA"/>
           </a:p>
@@ -599,7 +606,7 @@
           <a:p>
             <a:fld id="{7DD7521D-5F7F-49B1-9544-B9AD879250E9}" type="datetimeFigureOut">
               <a:rPr lang="en-CA" smtClean="0"/>
-              <a:t>2018-04-12</a:t>
+              <a:t>2018-04-20</a:t>
             </a:fld>
             <a:endParaRPr lang="en-CA"/>
           </a:p>
@@ -769,7 +776,7 @@
           <a:p>
             <a:fld id="{7DD7521D-5F7F-49B1-9544-B9AD879250E9}" type="datetimeFigureOut">
               <a:rPr lang="en-CA" smtClean="0"/>
-              <a:t>2018-04-12</a:t>
+              <a:t>2018-04-20</a:t>
             </a:fld>
             <a:endParaRPr lang="en-CA"/>
           </a:p>
@@ -1013,7 +1020,7 @@
           <a:p>
             <a:fld id="{7DD7521D-5F7F-49B1-9544-B9AD879250E9}" type="datetimeFigureOut">
               <a:rPr lang="en-CA" smtClean="0"/>
-              <a:t>2018-04-12</a:t>
+              <a:t>2018-04-20</a:t>
             </a:fld>
             <a:endParaRPr lang="en-CA"/>
           </a:p>
@@ -1245,7 +1252,7 @@
           <a:p>
             <a:fld id="{7DD7521D-5F7F-49B1-9544-B9AD879250E9}" type="datetimeFigureOut">
               <a:rPr lang="en-CA" smtClean="0"/>
-              <a:t>2018-04-12</a:t>
+              <a:t>2018-04-20</a:t>
             </a:fld>
             <a:endParaRPr lang="en-CA"/>
           </a:p>
@@ -1612,7 +1619,7 @@
           <a:p>
             <a:fld id="{7DD7521D-5F7F-49B1-9544-B9AD879250E9}" type="datetimeFigureOut">
               <a:rPr lang="en-CA" smtClean="0"/>
-              <a:t>2018-04-12</a:t>
+              <a:t>2018-04-20</a:t>
             </a:fld>
             <a:endParaRPr lang="en-CA"/>
           </a:p>
@@ -1730,7 +1737,7 @@
           <a:p>
             <a:fld id="{7DD7521D-5F7F-49B1-9544-B9AD879250E9}" type="datetimeFigureOut">
               <a:rPr lang="en-CA" smtClean="0"/>
-              <a:t>2018-04-12</a:t>
+              <a:t>2018-04-20</a:t>
             </a:fld>
             <a:endParaRPr lang="en-CA"/>
           </a:p>
@@ -1825,7 +1832,7 @@
           <a:p>
             <a:fld id="{7DD7521D-5F7F-49B1-9544-B9AD879250E9}" type="datetimeFigureOut">
               <a:rPr lang="en-CA" smtClean="0"/>
-              <a:t>2018-04-12</a:t>
+              <a:t>2018-04-20</a:t>
             </a:fld>
             <a:endParaRPr lang="en-CA"/>
           </a:p>
@@ -2102,7 +2109,7 @@
           <a:p>
             <a:fld id="{7DD7521D-5F7F-49B1-9544-B9AD879250E9}" type="datetimeFigureOut">
               <a:rPr lang="en-CA" smtClean="0"/>
-              <a:t>2018-04-12</a:t>
+              <a:t>2018-04-20</a:t>
             </a:fld>
             <a:endParaRPr lang="en-CA"/>
           </a:p>
@@ -2359,7 +2366,7 @@
           <a:p>
             <a:fld id="{7DD7521D-5F7F-49B1-9544-B9AD879250E9}" type="datetimeFigureOut">
               <a:rPr lang="en-CA" smtClean="0"/>
-              <a:t>2018-04-12</a:t>
+              <a:t>2018-04-20</a:t>
             </a:fld>
             <a:endParaRPr lang="en-CA"/>
           </a:p>
@@ -2572,7 +2579,7 @@
           <a:p>
             <a:fld id="{7DD7521D-5F7F-49B1-9544-B9AD879250E9}" type="datetimeFigureOut">
               <a:rPr lang="en-CA" smtClean="0"/>
-              <a:t>2018-04-12</a:t>
+              <a:t>2018-04-20</a:t>
             </a:fld>
             <a:endParaRPr lang="en-CA"/>
           </a:p>
@@ -2993,16 +3000,61 @@
             <p:ph type="ctrTitle"/>
           </p:nvPr>
         </p:nvSpPr>
-        <p:spPr/>
+        <p:spPr>
+          <a:xfrm>
+            <a:off x="685800" y="1986376"/>
+            <a:ext cx="7772400" cy="1442624"/>
+          </a:xfrm>
+        </p:spPr>
         <p:txBody>
           <a:bodyPr>
-            <a:normAutofit fontScale="90000"/>
+            <a:normAutofit/>
           </a:bodyPr>
           <a:lstStyle/>
           <a:p>
             <a:r>
+              <a:rPr lang="en-CA" sz="4400" dirty="0"/>
+              <a:t>Supervised learning on the 20 newsgroups dataset</a:t>
+            </a:r>
+          </a:p>
+        </p:txBody>
+      </p:sp>
+      <p:sp>
+        <p:nvSpPr>
+          <p:cNvPr id="3" name="TextBox 2">
+            <a:extLst>
+              <a:ext uri="{FF2B5EF4-FFF2-40B4-BE49-F238E27FC236}">
+                <a16:creationId xmlns:a16="http://schemas.microsoft.com/office/drawing/2014/main" id="{6CE9471C-797D-4B4D-A465-A0ED99C1C32B}"/>
+              </a:ext>
+            </a:extLst>
+          </p:cNvPr>
+          <p:cNvSpPr txBox="1"/>
+          <p:nvPr/>
+        </p:nvSpPr>
+        <p:spPr>
+          <a:xfrm>
+            <a:off x="2657061" y="3830480"/>
+            <a:ext cx="3829878" cy="369332"/>
+          </a:xfrm>
+          <a:prstGeom prst="rect">
+            <a:avLst/>
+          </a:prstGeom>
+          <a:noFill/>
+        </p:spPr>
+        <p:txBody>
+          <a:bodyPr wrap="square" rtlCol="0">
+            <a:spAutoFit/>
+          </a:bodyPr>
+          <a:lstStyle/>
+          <a:p>
+            <a:pPr algn="ctr"/>
+            <a:r>
+              <a:rPr lang="en-CA" dirty="0" err="1"/>
+              <a:t>Thinkful</a:t>
+            </a:r>
+            <a:r>
               <a:rPr lang="en-CA" dirty="0"/>
-              <a:t>Capstone 2: Supervised learning on 20 newsgroups</a:t>
+              <a:t> supervised learning capstone</a:t>
             </a:r>
           </a:p>
         </p:txBody>
@@ -5441,40 +5493,82 @@
         <p:spPr/>
         <p:txBody>
           <a:bodyPr>
-            <a:normAutofit/>
+            <a:normAutofit fontScale="92500"/>
           </a:bodyPr>
           <a:lstStyle/>
           <a:p>
             <a:r>
               <a:rPr lang="en-CA" sz="2400" dirty="0"/>
-              <a:t>Better tokenization (e.g. Latent Semantic Analysis)</a:t>
+              <a:t>Improve data setup and cleaning (e.g. how to deal with names)</a:t>
             </a:r>
           </a:p>
           <a:p>
             <a:r>
               <a:rPr lang="en-CA" sz="2400" dirty="0"/>
-              <a:t>Better features selection (trimming features means that more can be added initial through </a:t>
-            </a:r>
-            <a:r>
-              <a:rPr lang="en-CA" sz="2400" dirty="0" err="1"/>
+              <a:t>Feature creation and selection</a:t>
+            </a:r>
+          </a:p>
+          <a:p>
+            <a:pPr lvl="1"/>
+            <a:r>
+              <a:rPr lang="en-CA" sz="2000" dirty="0" err="1"/>
+              <a:t>GridSearch</a:t>
+            </a:r>
+            <a:r>
+              <a:rPr lang="en-CA" sz="2000" dirty="0"/>
+              <a:t> for </a:t>
+            </a:r>
+            <a:r>
+              <a:rPr lang="en-CA" sz="2000" dirty="0" err="1"/>
+              <a:t>tf_idf</a:t>
+            </a:r>
+            <a:r>
+              <a:rPr lang="en-CA" sz="2000" dirty="0"/>
+              <a:t> parameters</a:t>
+            </a:r>
+          </a:p>
+          <a:p>
+            <a:pPr lvl="1"/>
+            <a:r>
+              <a:rPr lang="en-CA" sz="2000" dirty="0"/>
+              <a:t>Latent Semantic Analysis</a:t>
+            </a:r>
+          </a:p>
+          <a:p>
+            <a:pPr lvl="1"/>
+            <a:r>
+              <a:rPr lang="en-CA" sz="2000" dirty="0"/>
+              <a:t>Feature selection (e.g. trimming features with low </a:t>
+            </a:r>
+            <a:r>
+              <a:rPr lang="en-CA" sz="2000" dirty="0" err="1"/>
+              <a:t>tf_idf</a:t>
+            </a:r>
+            <a:r>
+              <a:rPr lang="en-CA" sz="2000" dirty="0"/>
+              <a:t> scores means that more can be added initial through </a:t>
+            </a:r>
+            <a:r>
+              <a:rPr lang="en-CA" sz="2000" dirty="0" err="1"/>
               <a:t>n_grams</a:t>
             </a:r>
             <a:r>
-              <a:rPr lang="en-CA" sz="2400" dirty="0"/>
+              <a:rPr lang="en-CA" sz="2000" dirty="0"/>
               <a:t> or a lower min_ </a:t>
             </a:r>
             <a:r>
-              <a:rPr lang="en-CA" sz="2400" dirty="0" err="1"/>
+              <a:rPr lang="en-CA" sz="2000" dirty="0" err="1"/>
               <a:t>df</a:t>
             </a:r>
             <a:r>
-              <a:rPr lang="en-CA" sz="2400" dirty="0"/>
+              <a:rPr lang="en-CA" sz="2000" dirty="0"/>
               <a:t>)</a:t>
             </a:r>
           </a:p>
           <a:p>
-            <a:r>
-              <a:rPr lang="en-CA" sz="2400" dirty="0"/>
+            <a:pPr lvl="1"/>
+            <a:r>
+              <a:rPr lang="en-CA" sz="2100" dirty="0"/>
               <a:t>Better feature selection could also mean that the model can be trained on all 20 categories (the real test!)</a:t>
             </a:r>
           </a:p>
@@ -5494,6 +5588,12 @@
             <a:r>
               <a:rPr lang="en-CA" sz="2400" dirty="0"/>
               <a:t> is arguably a better approach (but then need to know possible distribution)</a:t>
+            </a:r>
+          </a:p>
+          <a:p>
+            <a:r>
+              <a:rPr lang="en-CA" sz="2400" dirty="0"/>
+              <a:t>Use neural networks</a:t>
             </a:r>
           </a:p>
         </p:txBody>
@@ -5579,7 +5679,17 @@
           <a:p>
             <a:r>
               <a:rPr lang="en-CA" dirty="0"/>
-              <a:t>Keep it simple (but the ‘simple’ dataset could tilt things in favour of Naïve Bayes Classifier)</a:t>
+              <a:t>Keep it simple, but the ‘simple’ dataset could tilt things in favour of Naïve Bayes Classifier</a:t>
+            </a:r>
+          </a:p>
+          <a:p>
+            <a:r>
+              <a:rPr lang="en-CA" dirty="0" err="1"/>
+              <a:t>Xgboost</a:t>
+            </a:r>
+            <a:r>
+              <a:rPr lang="en-CA" dirty="0"/>
+              <a:t> not particularly well suited for text classification</a:t>
             </a:r>
           </a:p>
           <a:p>
@@ -5595,15 +5705,6 @@
               <a:rPr lang="en-CA" dirty="0"/>
               <a:t> learn we trust</a:t>
             </a:r>
-          </a:p>
-          <a:p>
-            <a:r>
-              <a:rPr lang="en-CA" dirty="0"/>
-              <a:t>Get a faster laptop!</a:t>
-            </a:r>
-          </a:p>
-          <a:p>
-            <a:endParaRPr lang="en-CA" dirty="0"/>
           </a:p>
           <a:p>
             <a:endParaRPr lang="en-CA" dirty="0"/>
@@ -5620,6 +5721,277 @@
     <p:extLst>
       <p:ext uri="{BB962C8B-B14F-4D97-AF65-F5344CB8AC3E}">
         <p14:creationId xmlns:p14="http://schemas.microsoft.com/office/powerpoint/2010/main" val="4052921667"/>
+      </p:ext>
+    </p:extLst>
+  </p:cSld>
+  <p:clrMapOvr>
+    <a:masterClrMapping/>
+  </p:clrMapOvr>
+</p:sld>
+</file>
+
+<file path=ppt/slides/slide13.xml><?xml version="1.0" encoding="utf-8"?>
+<p:sld xmlns:a="http://schemas.openxmlformats.org/drawingml/2006/main" xmlns:r="http://schemas.openxmlformats.org/officeDocument/2006/relationships" xmlns:p="http://schemas.openxmlformats.org/presentationml/2006/main">
+  <p:cSld>
+    <p:spTree>
+      <p:nvGrpSpPr>
+        <p:cNvPr id="1" name=""/>
+        <p:cNvGrpSpPr/>
+        <p:nvPr/>
+      </p:nvGrpSpPr>
+      <p:grpSpPr>
+        <a:xfrm>
+          <a:off x="0" y="0"/>
+          <a:ext cx="0" cy="0"/>
+          <a:chOff x="0" y="0"/>
+          <a:chExt cx="0" cy="0"/>
+        </a:xfrm>
+      </p:grpSpPr>
+      <p:sp>
+        <p:nvSpPr>
+          <p:cNvPr id="2" name="Title 1">
+            <a:extLst>
+              <a:ext uri="{FF2B5EF4-FFF2-40B4-BE49-F238E27FC236}">
+                <a16:creationId xmlns:a16="http://schemas.microsoft.com/office/drawing/2014/main" id="{9CD525E9-D24A-4A75-AE6F-E5BC7D85D9F7}"/>
+              </a:ext>
+            </a:extLst>
+          </p:cNvPr>
+          <p:cNvSpPr>
+            <a:spLocks noGrp="1"/>
+          </p:cNvSpPr>
+          <p:nvPr>
+            <p:ph type="title"/>
+          </p:nvPr>
+        </p:nvSpPr>
+        <p:spPr/>
+        <p:txBody>
+          <a:bodyPr/>
+          <a:lstStyle/>
+          <a:p>
+            <a:r>
+              <a:rPr lang="en-CA" dirty="0"/>
+              <a:t>Stochastic gradient descent</a:t>
+            </a:r>
+          </a:p>
+        </p:txBody>
+      </p:sp>
+      <p:pic>
+        <p:nvPicPr>
+          <p:cNvPr id="6" name="Picture 5">
+            <a:extLst>
+              <a:ext uri="{FF2B5EF4-FFF2-40B4-BE49-F238E27FC236}">
+                <a16:creationId xmlns:a16="http://schemas.microsoft.com/office/drawing/2014/main" id="{B00A680F-F78B-4D8B-8E21-F2303BB3E2B1}"/>
+              </a:ext>
+            </a:extLst>
+          </p:cNvPr>
+          <p:cNvPicPr>
+            <a:picLocks noChangeAspect="1"/>
+          </p:cNvPicPr>
+          <p:nvPr/>
+        </p:nvPicPr>
+        <p:blipFill>
+          <a:blip r:embed="rId2"/>
+          <a:stretch>
+            <a:fillRect/>
+          </a:stretch>
+        </p:blipFill>
+        <p:spPr>
+          <a:xfrm>
+            <a:off x="628650" y="2222533"/>
+            <a:ext cx="7685980" cy="3303623"/>
+          </a:xfrm>
+          <a:prstGeom prst="rect">
+            <a:avLst/>
+          </a:prstGeom>
+        </p:spPr>
+      </p:pic>
+      <p:sp>
+        <p:nvSpPr>
+          <p:cNvPr id="7" name="TextBox 6">
+            <a:extLst>
+              <a:ext uri="{FF2B5EF4-FFF2-40B4-BE49-F238E27FC236}">
+                <a16:creationId xmlns:a16="http://schemas.microsoft.com/office/drawing/2014/main" id="{78DE4097-4DCB-4F3E-8DC4-FF197DC6D5E5}"/>
+              </a:ext>
+            </a:extLst>
+          </p:cNvPr>
+          <p:cNvSpPr txBox="1"/>
+          <p:nvPr/>
+        </p:nvSpPr>
+        <p:spPr>
+          <a:xfrm>
+            <a:off x="6789982" y="5688668"/>
+            <a:ext cx="1524648" cy="369332"/>
+          </a:xfrm>
+          <a:prstGeom prst="rect">
+            <a:avLst/>
+          </a:prstGeom>
+          <a:noFill/>
+        </p:spPr>
+        <p:txBody>
+          <a:bodyPr wrap="none" rtlCol="0">
+            <a:spAutoFit/>
+          </a:bodyPr>
+          <a:lstStyle/>
+          <a:p>
+            <a:r>
+              <a:rPr lang="en-CA" dirty="0"/>
+              <a:t>Source: Quora</a:t>
+            </a:r>
+          </a:p>
+        </p:txBody>
+      </p:sp>
+    </p:spTree>
+    <p:extLst>
+      <p:ext uri="{BB962C8B-B14F-4D97-AF65-F5344CB8AC3E}">
+        <p14:creationId xmlns:p14="http://schemas.microsoft.com/office/powerpoint/2010/main" val="1956840158"/>
+      </p:ext>
+    </p:extLst>
+  </p:cSld>
+  <p:clrMapOvr>
+    <a:masterClrMapping/>
+  </p:clrMapOvr>
+</p:sld>
+</file>
+
+<file path=ppt/slides/slide14.xml><?xml version="1.0" encoding="utf-8"?>
+<p:sld xmlns:a="http://schemas.openxmlformats.org/drawingml/2006/main" xmlns:r="http://schemas.openxmlformats.org/officeDocument/2006/relationships" xmlns:p="http://schemas.openxmlformats.org/presentationml/2006/main">
+  <p:cSld>
+    <p:spTree>
+      <p:nvGrpSpPr>
+        <p:cNvPr id="1" name=""/>
+        <p:cNvGrpSpPr/>
+        <p:nvPr/>
+      </p:nvGrpSpPr>
+      <p:grpSpPr>
+        <a:xfrm>
+          <a:off x="0" y="0"/>
+          <a:ext cx="0" cy="0"/>
+          <a:chOff x="0" y="0"/>
+          <a:chExt cx="0" cy="0"/>
+        </a:xfrm>
+      </p:grpSpPr>
+      <p:sp>
+        <p:nvSpPr>
+          <p:cNvPr id="2" name="Title 1">
+            <a:extLst>
+              <a:ext uri="{FF2B5EF4-FFF2-40B4-BE49-F238E27FC236}">
+                <a16:creationId xmlns:a16="http://schemas.microsoft.com/office/drawing/2014/main" id="{6BD98181-3557-4E1A-83CF-C083F598027D}"/>
+              </a:ext>
+            </a:extLst>
+          </p:cNvPr>
+          <p:cNvSpPr>
+            <a:spLocks noGrp="1"/>
+          </p:cNvSpPr>
+          <p:nvPr>
+            <p:ph type="title"/>
+          </p:nvPr>
+        </p:nvSpPr>
+        <p:spPr/>
+        <p:txBody>
+          <a:bodyPr/>
+          <a:lstStyle/>
+          <a:p>
+            <a:r>
+              <a:rPr lang="en-CA" dirty="0" err="1"/>
+              <a:t>Xgboost</a:t>
+            </a:r>
+            <a:endParaRPr lang="en-CA" dirty="0"/>
+          </a:p>
+        </p:txBody>
+      </p:sp>
+      <p:sp>
+        <p:nvSpPr>
+          <p:cNvPr id="3" name="Content Placeholder 2">
+            <a:extLst>
+              <a:ext uri="{FF2B5EF4-FFF2-40B4-BE49-F238E27FC236}">
+                <a16:creationId xmlns:a16="http://schemas.microsoft.com/office/drawing/2014/main" id="{5B24EA98-0EFF-41FC-91DA-E560E7717E1A}"/>
+              </a:ext>
+            </a:extLst>
+          </p:cNvPr>
+          <p:cNvSpPr>
+            <a:spLocks noGrp="1"/>
+          </p:cNvSpPr>
+          <p:nvPr>
+            <p:ph idx="1"/>
+          </p:nvPr>
+        </p:nvSpPr>
+        <p:spPr/>
+        <p:txBody>
+          <a:bodyPr/>
+          <a:lstStyle/>
+          <a:p>
+            <a:r>
+              <a:rPr lang="en-US" dirty="0"/>
+              <a:t>“[</a:t>
+            </a:r>
+            <a:r>
+              <a:rPr lang="en-US" dirty="0" err="1"/>
+              <a:t>Xgboost</a:t>
+            </a:r>
+            <a:r>
+              <a:rPr lang="en-US" dirty="0"/>
+              <a:t>] is developed with both deep consideration in terms of </a:t>
+            </a:r>
+            <a:r>
+              <a:rPr lang="en-US" b="1" i="1" dirty="0"/>
+              <a:t>systems optimization</a:t>
+            </a:r>
+            <a:r>
+              <a:rPr lang="en-US" dirty="0"/>
+              <a:t> and </a:t>
+            </a:r>
+            <a:r>
+              <a:rPr lang="en-US" b="1" i="1" dirty="0"/>
+              <a:t>principles in machine learning</a:t>
+            </a:r>
+            <a:r>
+              <a:rPr lang="en-US" dirty="0"/>
+              <a:t>. The goal of this library is to push the extreme of the computation limits of machines to provide a </a:t>
+            </a:r>
+            <a:r>
+              <a:rPr lang="en-US" b="1" i="1" dirty="0"/>
+              <a:t>scalable</a:t>
+            </a:r>
+            <a:r>
+              <a:rPr lang="en-US" dirty="0"/>
+              <a:t>, </a:t>
+            </a:r>
+            <a:r>
+              <a:rPr lang="en-US" b="1" i="1" dirty="0"/>
+              <a:t>portable</a:t>
+            </a:r>
+            <a:r>
+              <a:rPr lang="en-US" dirty="0"/>
+              <a:t> and </a:t>
+            </a:r>
+            <a:r>
+              <a:rPr lang="en-US" b="1" i="1" dirty="0"/>
+              <a:t>accurate</a:t>
+            </a:r>
+            <a:r>
+              <a:rPr lang="en-US" dirty="0"/>
+              <a:t> library”</a:t>
+            </a:r>
+          </a:p>
+          <a:p>
+            <a:pPr marL="0" indent="0" algn="r">
+              <a:buNone/>
+            </a:pPr>
+            <a:r>
+              <a:rPr lang="en-CA" sz="1800" dirty="0" err="1"/>
+              <a:t>xgboost</a:t>
+            </a:r>
+            <a:r>
+              <a:rPr lang="en-CA" sz="1800" dirty="0"/>
+              <a:t> source docs</a:t>
+            </a:r>
+          </a:p>
+        </p:txBody>
+      </p:sp>
+    </p:spTree>
+    <p:extLst>
+      <p:ext uri="{BB962C8B-B14F-4D97-AF65-F5344CB8AC3E}">
+        <p14:creationId xmlns:p14="http://schemas.microsoft.com/office/powerpoint/2010/main" val="267908358"/>
       </p:ext>
     </p:extLst>
   </p:cSld>
@@ -5662,7 +6034,12 @@
             <p:ph type="title"/>
           </p:nvPr>
         </p:nvSpPr>
-        <p:spPr/>
+        <p:spPr>
+          <a:xfrm>
+            <a:off x="628650" y="709683"/>
+            <a:ext cx="7886700" cy="1325563"/>
+          </a:xfrm>
+        </p:spPr>
         <p:txBody>
           <a:bodyPr/>
           <a:lstStyle/>
@@ -5693,24 +6070,50 @@
         <p:spPr>
           <a:xfrm>
             <a:off x="628650" y="2226469"/>
-            <a:ext cx="7886700" cy="2288381"/>
+            <a:ext cx="7886700" cy="2809357"/>
           </a:xfrm>
         </p:spPr>
         <p:txBody>
-          <a:bodyPr/>
+          <a:bodyPr>
+            <a:normAutofit lnSpcReduction="10000"/>
+          </a:bodyPr>
           <a:lstStyle/>
           <a:p>
             <a:r>
-              <a:rPr lang="en-US" dirty="0"/>
-              <a:t>Compare the performance of various models classifying text-based models.</a:t>
-            </a:r>
-          </a:p>
-          <a:p>
-            <a:r>
-              <a:rPr lang="en-US" dirty="0"/>
-              <a:t>Apply findings (or at least knowledge gained) to test an editing firm’s current text classification </a:t>
-            </a:r>
-            <a:endParaRPr lang="en-CA" dirty="0"/>
+              <a:rPr lang="en-US" sz="2400" dirty="0"/>
+              <a:t>Compare the performance of various text-based classifying models</a:t>
+            </a:r>
+          </a:p>
+          <a:p>
+            <a:r>
+              <a:rPr lang="en-US" sz="2400" dirty="0"/>
+              <a:t>Apply findings (or at least knowledge gained) to Scribendi.com</a:t>
+            </a:r>
+          </a:p>
+          <a:p>
+            <a:pPr lvl="1"/>
+            <a:r>
+              <a:rPr lang="en-US" sz="2000" dirty="0" err="1"/>
+              <a:t>Scribendi</a:t>
+            </a:r>
+            <a:r>
+              <a:rPr lang="en-US" sz="2000" dirty="0"/>
+              <a:t> provides online editing and proofreading services</a:t>
+            </a:r>
+          </a:p>
+          <a:p>
+            <a:pPr lvl="1"/>
+            <a:r>
+              <a:rPr lang="en-CA" sz="2000" dirty="0"/>
+              <a:t>It needs to classify the type of document that has been submitted for editing</a:t>
+            </a:r>
+          </a:p>
+          <a:p>
+            <a:pPr lvl="1"/>
+            <a:r>
+              <a:rPr lang="en-CA" sz="2000" dirty="0"/>
+              <a:t>E.g. is the document a novel, a business report, or an academic paper</a:t>
+            </a:r>
           </a:p>
         </p:txBody>
       </p:sp>
@@ -5760,7 +6163,12 @@
             <p:ph type="title"/>
           </p:nvPr>
         </p:nvSpPr>
-        <p:spPr/>
+        <p:spPr>
+          <a:xfrm>
+            <a:off x="628650" y="886825"/>
+            <a:ext cx="7886700" cy="803864"/>
+          </a:xfrm>
+        </p:spPr>
         <p:txBody>
           <a:bodyPr/>
           <a:lstStyle/>
@@ -5796,7 +6204,7 @@
         </p:spPr>
         <p:txBody>
           <a:bodyPr>
-            <a:normAutofit fontScale="92500" lnSpcReduction="10000"/>
+            <a:normAutofit fontScale="92500" lnSpcReduction="20000"/>
           </a:bodyPr>
           <a:lstStyle/>
           <a:p>
@@ -5816,7 +6224,7 @@
           <a:p>
             <a:r>
               <a:rPr lang="en-US" sz="2100" dirty="0"/>
-              <a:t>Comprises around 18,000 newsgroups posts on 20 topics</a:t>
+              <a:t>Comprises of 18,000 newsgroups posts on 20 topics</a:t>
             </a:r>
           </a:p>
           <a:p>
@@ -5892,13 +6300,19 @@
           <a:p>
             <a:r>
               <a:rPr lang="en-US" sz="2100" dirty="0"/>
-              <a:t>This dataset does have several tutorials and examples</a:t>
+              <a:t>This dataset does have several tutorials and examples which helped for this project, but it also sets a difficult benchmark to beat.</a:t>
             </a:r>
           </a:p>
           <a:p>
             <a:r>
               <a:rPr lang="en-US" sz="2100" dirty="0"/>
               <a:t>Dataset is balanced (about 600 entries in each category)</a:t>
+            </a:r>
+          </a:p>
+          <a:p>
+            <a:r>
+              <a:rPr lang="en-US" sz="2100" dirty="0"/>
+              <a:t>Already split into train and test (60:40)</a:t>
             </a:r>
           </a:p>
         </p:txBody>
@@ -6009,14 +6423,21 @@
             <p:ph idx="1"/>
           </p:nvPr>
         </p:nvSpPr>
-        <p:spPr/>
+        <p:spPr>
+          <a:xfrm>
+            <a:off x="628650" y="1825626"/>
+            <a:ext cx="7886700" cy="3223452"/>
+          </a:xfrm>
+        </p:spPr>
         <p:txBody>
-          <a:bodyPr/>
+          <a:bodyPr>
+            <a:normAutofit fontScale="92500" lnSpcReduction="10000"/>
+          </a:bodyPr>
           <a:lstStyle/>
           <a:p>
             <a:r>
               <a:rPr lang="en-US" dirty="0"/>
-              <a:t>Setting up the data: Clean and process the text</a:t>
+              <a:t>Clean and process the text</a:t>
             </a:r>
           </a:p>
           <a:p>
@@ -6049,7 +6470,7 @@
             <a:pPr lvl="1"/>
             <a:r>
               <a:rPr lang="en-US" dirty="0"/>
-              <a:t>Extreme Gradient Boosting classifier (</a:t>
+              <a:t>Extreme Gradient Boosting Classifier (</a:t>
             </a:r>
             <a:r>
               <a:rPr lang="en-US" dirty="0" err="1"/>
@@ -6144,8 +6565,8 @@
         </p:nvSpPr>
         <p:spPr bwMode="auto">
           <a:xfrm>
-            <a:off x="628650" y="1875812"/>
-            <a:ext cx="3496089" cy="3808735"/>
+            <a:off x="628650" y="1771938"/>
+            <a:ext cx="3496089" cy="4016484"/>
           </a:xfrm>
           <a:prstGeom prst="rect">
             <a:avLst/>
@@ -6230,298 +6651,120 @@
               </a:spcAft>
             </a:pPr>
             <a:r>
-              <a:rPr lang="en-US" altLang="en-US" sz="1050" dirty="0">
-                <a:solidFill>
-                  <a:srgbClr val="000000"/>
-                </a:solidFill>
-                <a:latin typeface="Courier New" panose="02070309020205020404" pitchFamily="49" charset="0"/>
-                <a:cs typeface="Courier New" panose="02070309020205020404" pitchFamily="49" charset="0"/>
-              </a:rPr>
+              <a:rPr lang="en-US" altLang="en-US" sz="1350" dirty="0"/>
               <a:t>\</a:t>
             </a:r>
             <a:r>
-              <a:rPr lang="en-US" altLang="en-US" sz="1050" dirty="0" err="1">
-                <a:solidFill>
-                  <a:srgbClr val="000000"/>
-                </a:solidFill>
-                <a:latin typeface="Courier New" panose="02070309020205020404" pitchFamily="49" charset="0"/>
-                <a:cs typeface="Courier New" panose="02070309020205020404" pitchFamily="49" charset="0"/>
-              </a:rPr>
+              <a:rPr lang="en-US" altLang="en-US" sz="1350" dirty="0" err="1"/>
               <a:t>nFirst,Happy</a:t>
-            </a:r>
-            <a:r>
-              <a:rPr lang="en-US" altLang="en-US" sz="1050" dirty="0">
-                <a:solidFill>
-                  <a:srgbClr val="000000"/>
-                </a:solidFill>
-                <a:latin typeface="Courier New" panose="02070309020205020404" pitchFamily="49" charset="0"/>
-                <a:cs typeface="Courier New" panose="02070309020205020404" pitchFamily="49" charset="0"/>
-              </a:rPr>
-              <a:t> </a:t>
-            </a:r>
-            <a:r>
-              <a:rPr lang="en-US" altLang="en-US" sz="1050" dirty="0" err="1">
-                <a:solidFill>
-                  <a:srgbClr val="000000"/>
-                </a:solidFill>
-                <a:latin typeface="Courier New" panose="02070309020205020404" pitchFamily="49" charset="0"/>
-                <a:cs typeface="Courier New" panose="02070309020205020404" pitchFamily="49" charset="0"/>
-              </a:rPr>
-              <a:t>Birthday,Val</a:t>
-            </a:r>
-            <a:r>
-              <a:rPr lang="en-US" altLang="en-US" sz="1050" dirty="0">
-                <a:solidFill>
-                  <a:srgbClr val="000000"/>
-                </a:solidFill>
-                <a:latin typeface="Courier New" panose="02070309020205020404" pitchFamily="49" charset="0"/>
-                <a:cs typeface="Courier New" panose="02070309020205020404" pitchFamily="49" charset="0"/>
-              </a:rPr>
-              <a:t>. Second, ESPN's affinity with Patrick has probably\</a:t>
-            </a:r>
-            <a:r>
-              <a:rPr lang="en-US" altLang="en-US" sz="1050" dirty="0" err="1">
-                <a:solidFill>
-                  <a:srgbClr val="000000"/>
-                </a:solidFill>
-                <a:latin typeface="Courier New" panose="02070309020205020404" pitchFamily="49" charset="0"/>
-                <a:cs typeface="Courier New" panose="02070309020205020404" pitchFamily="49" charset="0"/>
-              </a:rPr>
-              <a:t>nmore</a:t>
-            </a:r>
-            <a:r>
-              <a:rPr lang="en-US" altLang="en-US" sz="1050" dirty="0">
-                <a:solidFill>
-                  <a:srgbClr val="000000"/>
-                </a:solidFill>
-                <a:latin typeface="Courier New" panose="02070309020205020404" pitchFamily="49" charset="0"/>
-                <a:cs typeface="Courier New" panose="02070309020205020404" pitchFamily="49" charset="0"/>
-              </a:rPr>
-              <a:t> to do with the travel/production costs for a once a week NHN(National Hockey\</a:t>
-            </a:r>
-            <a:r>
-              <a:rPr lang="en-US" altLang="en-US" sz="1050" dirty="0" err="1">
-                <a:solidFill>
-                  <a:srgbClr val="000000"/>
-                </a:solidFill>
-                <a:latin typeface="Courier New" panose="02070309020205020404" pitchFamily="49" charset="0"/>
-                <a:cs typeface="Courier New" panose="02070309020205020404" pitchFamily="49" charset="0"/>
-              </a:rPr>
-              <a:t>nNight</a:t>
-            </a:r>
-            <a:r>
-              <a:rPr lang="en-US" altLang="en-US" sz="1050" dirty="0">
-                <a:solidFill>
-                  <a:srgbClr val="000000"/>
-                </a:solidFill>
-                <a:latin typeface="Courier New" panose="02070309020205020404" pitchFamily="49" charset="0"/>
-                <a:cs typeface="Courier New" panose="02070309020205020404" pitchFamily="49" charset="0"/>
-              </a:rPr>
-              <a:t>) affair.(ESPN-ABC </a:t>
-            </a:r>
-            <a:r>
-              <a:rPr lang="en-US" altLang="en-US" sz="1050" dirty="0" err="1">
-                <a:solidFill>
-                  <a:srgbClr val="000000"/>
-                </a:solidFill>
-                <a:latin typeface="Courier New" panose="02070309020205020404" pitchFamily="49" charset="0"/>
-                <a:cs typeface="Courier New" panose="02070309020205020404" pitchFamily="49" charset="0"/>
-              </a:rPr>
-              <a:t>owner,Capital</a:t>
-            </a:r>
-            <a:r>
-              <a:rPr lang="en-US" altLang="en-US" sz="1050" dirty="0">
-                <a:solidFill>
-                  <a:srgbClr val="000000"/>
-                </a:solidFill>
-                <a:latin typeface="Courier New" panose="02070309020205020404" pitchFamily="49" charset="0"/>
-                <a:cs typeface="Courier New" panose="02070309020205020404" pitchFamily="49" charset="0"/>
-              </a:rPr>
-              <a:t> Cities, is a company known for being\</a:t>
-            </a:r>
-            <a:r>
-              <a:rPr lang="en-US" altLang="en-US" sz="1050" dirty="0" err="1">
-                <a:solidFill>
-                  <a:srgbClr val="000000"/>
-                </a:solidFill>
-                <a:latin typeface="Courier New" panose="02070309020205020404" pitchFamily="49" charset="0"/>
-                <a:cs typeface="Courier New" panose="02070309020205020404" pitchFamily="49" charset="0"/>
-              </a:rPr>
-              <a:t>nquite</a:t>
-            </a:r>
-            <a:r>
-              <a:rPr lang="en-US" altLang="en-US" sz="1050" dirty="0">
-                <a:solidFill>
-                  <a:srgbClr val="000000"/>
-                </a:solidFill>
-                <a:latin typeface="Courier New" panose="02070309020205020404" pitchFamily="49" charset="0"/>
-                <a:cs typeface="Courier New" panose="02070309020205020404" pitchFamily="49" charset="0"/>
-              </a:rPr>
-              <a:t> thrifty with minimal overhead costs. It's quite possible that Jim\</a:t>
-            </a:r>
-            <a:r>
-              <a:rPr lang="en-US" altLang="en-US" sz="1050" dirty="0" err="1">
-                <a:solidFill>
-                  <a:srgbClr val="000000"/>
-                </a:solidFill>
-                <a:latin typeface="Courier New" panose="02070309020205020404" pitchFamily="49" charset="0"/>
-                <a:cs typeface="Courier New" panose="02070309020205020404" pitchFamily="49" charset="0"/>
-              </a:rPr>
-              <a:t>nSchoenfeld</a:t>
-            </a:r>
-            <a:r>
-              <a:rPr lang="en-US" altLang="en-US" sz="1050" dirty="0">
-                <a:solidFill>
-                  <a:srgbClr val="000000"/>
-                </a:solidFill>
-                <a:latin typeface="Courier New" panose="02070309020205020404" pitchFamily="49" charset="0"/>
-                <a:cs typeface="Courier New" panose="02070309020205020404" pitchFamily="49" charset="0"/>
-              </a:rPr>
-              <a:t> may be working for doughnuts :-).\n\</a:t>
-            </a:r>
-            <a:r>
-              <a:rPr lang="en-US" altLang="en-US" sz="1050" dirty="0" err="1">
-                <a:solidFill>
-                  <a:srgbClr val="000000"/>
-                </a:solidFill>
-                <a:latin typeface="Courier New" panose="02070309020205020404" pitchFamily="49" charset="0"/>
-                <a:cs typeface="Courier New" panose="02070309020205020404" pitchFamily="49" charset="0"/>
-              </a:rPr>
-              <a:t>nGary</a:t>
-            </a:r>
-            <a:r>
-              <a:rPr lang="en-US" altLang="en-US" sz="1050" dirty="0">
-                <a:solidFill>
-                  <a:srgbClr val="000000"/>
-                </a:solidFill>
-                <a:latin typeface="Courier New" panose="02070309020205020404" pitchFamily="49" charset="0"/>
-                <a:cs typeface="Courier New" panose="02070309020205020404" pitchFamily="49" charset="0"/>
-              </a:rPr>
-              <a:t> Thorne and Bill Clement are both NJ-based and the rest of ESPN crew\</a:t>
-            </a:r>
-            <a:r>
-              <a:rPr lang="en-US" altLang="en-US" sz="1050" dirty="0" err="1">
-                <a:solidFill>
-                  <a:srgbClr val="000000"/>
-                </a:solidFill>
-                <a:latin typeface="Courier New" panose="02070309020205020404" pitchFamily="49" charset="0"/>
-                <a:cs typeface="Courier New" panose="02070309020205020404" pitchFamily="49" charset="0"/>
-              </a:rPr>
-              <a:t>nresides</a:t>
-            </a:r>
-            <a:r>
-              <a:rPr lang="en-US" altLang="en-US" sz="1050" dirty="0">
-                <a:solidFill>
-                  <a:srgbClr val="000000"/>
-                </a:solidFill>
-                <a:latin typeface="Courier New" panose="02070309020205020404" pitchFamily="49" charset="0"/>
-                <a:cs typeface="Courier New" panose="02070309020205020404" pitchFamily="49" charset="0"/>
-              </a:rPr>
-              <a:t> in the suburban CT with a very close proximity to tri-state area.\</a:t>
-            </a:r>
-            <a:r>
-              <a:rPr lang="en-US" altLang="en-US" sz="1050" dirty="0" err="1">
-                <a:solidFill>
-                  <a:srgbClr val="000000"/>
-                </a:solidFill>
-                <a:latin typeface="Courier New" panose="02070309020205020404" pitchFamily="49" charset="0"/>
-                <a:cs typeface="Courier New" panose="02070309020205020404" pitchFamily="49" charset="0"/>
-              </a:rPr>
-              <a:t>nPlus,it</a:t>
-            </a:r>
-            <a:r>
-              <a:rPr lang="en-US" altLang="en-US" sz="1050" dirty="0">
-                <a:solidFill>
-                  <a:srgbClr val="000000"/>
-                </a:solidFill>
-                <a:latin typeface="Courier New" panose="02070309020205020404" pitchFamily="49" charset="0"/>
-                <a:cs typeface="Courier New" panose="02070309020205020404" pitchFamily="49" charset="0"/>
-              </a:rPr>
-              <a:t> makes sense in terms of solid hockey following in the </a:t>
-            </a:r>
-            <a:r>
-              <a:rPr lang="en-US" altLang="en-US" sz="1050" dirty="0" err="1">
-                <a:solidFill>
-                  <a:srgbClr val="000000"/>
-                </a:solidFill>
-                <a:latin typeface="Courier New" panose="02070309020205020404" pitchFamily="49" charset="0"/>
-                <a:cs typeface="Courier New" panose="02070309020205020404" pitchFamily="49" charset="0"/>
-              </a:rPr>
-              <a:t>NorthEast</a:t>
-            </a:r>
-            <a:r>
-              <a:rPr lang="en-US" altLang="en-US" sz="1050" dirty="0">
-                <a:solidFill>
-                  <a:srgbClr val="000000"/>
-                </a:solidFill>
-                <a:latin typeface="Courier New" panose="02070309020205020404" pitchFamily="49" charset="0"/>
-                <a:cs typeface="Courier New" panose="02070309020205020404" pitchFamily="49" charset="0"/>
-              </a:rPr>
-              <a:t>\</a:t>
-            </a:r>
-            <a:r>
-              <a:rPr lang="en-US" altLang="en-US" sz="1050" dirty="0" err="1">
-                <a:solidFill>
-                  <a:srgbClr val="000000"/>
-                </a:solidFill>
-                <a:latin typeface="Courier New" panose="02070309020205020404" pitchFamily="49" charset="0"/>
-                <a:cs typeface="Courier New" panose="02070309020205020404" pitchFamily="49" charset="0"/>
-              </a:rPr>
-              <a:t>ncorridor</a:t>
-            </a:r>
-            <a:r>
-              <a:rPr lang="en-US" altLang="en-US" sz="1050" dirty="0">
-                <a:solidFill>
-                  <a:srgbClr val="000000"/>
-                </a:solidFill>
-                <a:latin typeface="Courier New" panose="02070309020205020404" pitchFamily="49" charset="0"/>
-                <a:cs typeface="Courier New" panose="02070309020205020404" pitchFamily="49" charset="0"/>
-              </a:rPr>
-              <a:t>(PA-NY-NJ-DC/Maryland). </a:t>
-            </a:r>
-            <a:r>
-              <a:rPr lang="en-US" altLang="en-US" sz="1050" dirty="0" err="1">
-                <a:solidFill>
-                  <a:srgbClr val="000000"/>
-                </a:solidFill>
-                <a:latin typeface="Courier New" panose="02070309020205020404" pitchFamily="49" charset="0"/>
-                <a:cs typeface="Courier New" panose="02070309020205020404" pitchFamily="49" charset="0"/>
-              </a:rPr>
-              <a:t>Whereas,in</a:t>
-            </a:r>
-            <a:r>
-              <a:rPr lang="en-US" altLang="en-US" sz="1050" dirty="0">
-                <a:solidFill>
-                  <a:srgbClr val="000000"/>
-                </a:solidFill>
-                <a:latin typeface="Courier New" panose="02070309020205020404" pitchFamily="49" charset="0"/>
-                <a:cs typeface="Courier New" panose="02070309020205020404" pitchFamily="49" charset="0"/>
-              </a:rPr>
-              <a:t> the Adams you have only\n3-American based teams, out of which 2(Buffalo and Hartford) are not\</a:t>
-            </a:r>
-            <a:r>
-              <a:rPr lang="en-US" altLang="en-US" sz="1050" dirty="0" err="1">
-                <a:solidFill>
-                  <a:srgbClr val="000000"/>
-                </a:solidFill>
-                <a:latin typeface="Courier New" panose="02070309020205020404" pitchFamily="49" charset="0"/>
-                <a:cs typeface="Courier New" panose="02070309020205020404" pitchFamily="49" charset="0"/>
-              </a:rPr>
-              <a:t>nin</a:t>
-            </a:r>
-            <a:r>
-              <a:rPr lang="en-US" altLang="en-US" sz="1050" dirty="0">
-                <a:solidFill>
-                  <a:srgbClr val="000000"/>
-                </a:solidFill>
-                <a:latin typeface="Courier New" panose="02070309020205020404" pitchFamily="49" charset="0"/>
-                <a:cs typeface="Courier New" panose="02070309020205020404" pitchFamily="49" charset="0"/>
-              </a:rPr>
-              <a:t> Top-20 US TV-markets."</a:t>
             </a:r>
             <a:r>
               <a:rPr lang="en-US" altLang="en-US" sz="1350" dirty="0"/>
               <a:t> </a:t>
+            </a:r>
+            <a:r>
+              <a:rPr lang="en-US" altLang="en-US" sz="1350" dirty="0" err="1"/>
+              <a:t>Birthday,Val</a:t>
+            </a:r>
+            <a:r>
+              <a:rPr lang="en-US" altLang="en-US" sz="1350" dirty="0"/>
+              <a:t>. Second, ESPN's affinity with Patrick has probably\</a:t>
+            </a:r>
+            <a:r>
+              <a:rPr lang="en-US" altLang="en-US" sz="1350" dirty="0" err="1"/>
+              <a:t>nmore</a:t>
+            </a:r>
+            <a:r>
+              <a:rPr lang="en-US" altLang="en-US" sz="1350" dirty="0"/>
+              <a:t> to do with the travel/production costs for a once a week NHN(National Hockey\</a:t>
+            </a:r>
+            <a:r>
+              <a:rPr lang="en-US" altLang="en-US" sz="1350" dirty="0" err="1"/>
+              <a:t>nNight</a:t>
+            </a:r>
+            <a:r>
+              <a:rPr lang="en-US" altLang="en-US" sz="1350" dirty="0"/>
+              <a:t>) affair.(ESPN-ABC </a:t>
+            </a:r>
+            <a:r>
+              <a:rPr lang="en-US" altLang="en-US" sz="1350" dirty="0" err="1"/>
+              <a:t>owner,Capital</a:t>
+            </a:r>
+            <a:r>
+              <a:rPr lang="en-US" altLang="en-US" sz="1350" dirty="0"/>
+              <a:t> Cities, is a company known for being\</a:t>
+            </a:r>
+            <a:r>
+              <a:rPr lang="en-US" altLang="en-US" sz="1350" dirty="0" err="1"/>
+              <a:t>nquite</a:t>
+            </a:r>
+            <a:r>
+              <a:rPr lang="en-US" altLang="en-US" sz="1350" dirty="0"/>
+              <a:t> thrifty with minimal overhead costs. It's quite possible that Jim\</a:t>
+            </a:r>
+            <a:r>
+              <a:rPr lang="en-US" altLang="en-US" sz="1350" dirty="0" err="1"/>
+              <a:t>nSchoenfeld</a:t>
+            </a:r>
+            <a:r>
+              <a:rPr lang="en-US" altLang="en-US" sz="1350" dirty="0"/>
+              <a:t> may be working for doughnuts :-).\n\</a:t>
+            </a:r>
+            <a:r>
+              <a:rPr lang="en-US" altLang="en-US" sz="1350" dirty="0" err="1"/>
+              <a:t>nGary</a:t>
+            </a:r>
+            <a:r>
+              <a:rPr lang="en-US" altLang="en-US" sz="1350" dirty="0"/>
+              <a:t> Thorne and Bill Clement are both NJ-based and the rest of ESPN crew\</a:t>
+            </a:r>
+            <a:r>
+              <a:rPr lang="en-US" altLang="en-US" sz="1350" dirty="0" err="1"/>
+              <a:t>nresides</a:t>
+            </a:r>
+            <a:r>
+              <a:rPr lang="en-US" altLang="en-US" sz="1350" dirty="0"/>
+              <a:t> in the suburban CT with a very close proximity to tri-state area.\</a:t>
+            </a:r>
+            <a:r>
+              <a:rPr lang="en-US" altLang="en-US" sz="1350" dirty="0" err="1"/>
+              <a:t>nPlus,it</a:t>
+            </a:r>
+            <a:r>
+              <a:rPr lang="en-US" altLang="en-US" sz="1350" dirty="0"/>
+              <a:t> makes sense in terms of solid hockey following in the </a:t>
+            </a:r>
+            <a:r>
+              <a:rPr lang="en-US" altLang="en-US" sz="1350" dirty="0" err="1"/>
+              <a:t>NorthEast</a:t>
+            </a:r>
+            <a:r>
+              <a:rPr lang="en-US" altLang="en-US" sz="1350" dirty="0"/>
+              <a:t>\</a:t>
+            </a:r>
+            <a:r>
+              <a:rPr lang="en-US" altLang="en-US" sz="1350" dirty="0" err="1"/>
+              <a:t>ncorridor</a:t>
+            </a:r>
+            <a:r>
+              <a:rPr lang="en-US" altLang="en-US" sz="1350" dirty="0"/>
+              <a:t>(PA-NY-NJ-DC/Maryland). </a:t>
+            </a:r>
+            <a:r>
+              <a:rPr lang="en-US" altLang="en-US" sz="1350" dirty="0" err="1"/>
+              <a:t>Whereas,in</a:t>
+            </a:r>
+            <a:r>
+              <a:rPr lang="en-US" altLang="en-US" sz="1350" dirty="0"/>
+              <a:t> the Adams you have only\n3-American based teams, out of which 2(Buffalo and Hartford) are not\</a:t>
+            </a:r>
+            <a:r>
+              <a:rPr lang="en-US" altLang="en-US" sz="1350" dirty="0" err="1"/>
+              <a:t>nin</a:t>
+            </a:r>
+            <a:r>
+              <a:rPr lang="en-US" altLang="en-US" sz="1350" dirty="0"/>
+              <a:t> Top-20 US TV-markets." </a:t>
             </a:r>
           </a:p>
           <a:p>
@@ -6553,8 +6796,8 @@
         </p:nvSpPr>
         <p:spPr>
           <a:xfrm>
-            <a:off x="5098773" y="1950419"/>
-            <a:ext cx="3128342" cy="3439403"/>
+            <a:off x="5098774" y="1771938"/>
+            <a:ext cx="3128342" cy="3416320"/>
           </a:xfrm>
           <a:prstGeom prst="rect">
             <a:avLst/>
@@ -6576,570 +6819,226 @@
             <a:endParaRPr lang="en-CA" sz="1350" dirty="0"/>
           </a:p>
           <a:p>
-            <a:pPr eaLnBrk="0" fontAlgn="base" hangingPunct="0">
-              <a:spcBef>
-                <a:spcPct val="0"/>
-              </a:spcBef>
-              <a:spcAft>
-                <a:spcPct val="0"/>
-              </a:spcAft>
-            </a:pPr>
-            <a:r>
-              <a:rPr lang="en-CA" sz="1050" dirty="0">
-                <a:solidFill>
-                  <a:srgbClr val="000000"/>
-                </a:solidFill>
-                <a:latin typeface="Courier New" panose="02070309020205020404" pitchFamily="49" charset="0"/>
-                <a:cs typeface="Courier New" panose="02070309020205020404" pitchFamily="49" charset="0"/>
-              </a:rPr>
+            <a:r>
+              <a:rPr lang="en-CA" sz="1350" dirty="0"/>
               <a:t>first </a:t>
             </a:r>
             <a:r>
-              <a:rPr lang="en-CA" sz="1050" dirty="0" err="1">
-                <a:solidFill>
-                  <a:srgbClr val="000000"/>
-                </a:solidFill>
-                <a:latin typeface="Courier New" panose="02070309020205020404" pitchFamily="49" charset="0"/>
-                <a:cs typeface="Courier New" panose="02070309020205020404" pitchFamily="49" charset="0"/>
-              </a:rPr>
+              <a:rPr lang="en-CA" sz="1350" dirty="0" err="1"/>
               <a:t>happi</a:t>
             </a:r>
             <a:r>
-              <a:rPr lang="en-CA" sz="1050" dirty="0">
-                <a:solidFill>
-                  <a:srgbClr val="000000"/>
-                </a:solidFill>
-                <a:latin typeface="Courier New" panose="02070309020205020404" pitchFamily="49" charset="0"/>
-                <a:cs typeface="Courier New" panose="02070309020205020404" pitchFamily="49" charset="0"/>
-              </a:rPr>
+              <a:rPr lang="en-CA" sz="1350" dirty="0"/>
               <a:t> birthday </a:t>
             </a:r>
             <a:r>
-              <a:rPr lang="en-CA" sz="1050" dirty="0" err="1">
-                <a:solidFill>
-                  <a:srgbClr val="000000"/>
-                </a:solidFill>
-                <a:latin typeface="Courier New" panose="02070309020205020404" pitchFamily="49" charset="0"/>
-                <a:cs typeface="Courier New" panose="02070309020205020404" pitchFamily="49" charset="0"/>
-              </a:rPr>
+              <a:rPr lang="en-CA" sz="1350" dirty="0" err="1"/>
               <a:t>val</a:t>
             </a:r>
             <a:r>
-              <a:rPr lang="en-CA" sz="1050" dirty="0">
-                <a:solidFill>
-                  <a:srgbClr val="000000"/>
-                </a:solidFill>
-                <a:latin typeface="Courier New" panose="02070309020205020404" pitchFamily="49" charset="0"/>
-                <a:cs typeface="Courier New" panose="02070309020205020404" pitchFamily="49" charset="0"/>
-              </a:rPr>
+              <a:rPr lang="en-CA" sz="1350" dirty="0"/>
               <a:t> second </a:t>
             </a:r>
             <a:r>
-              <a:rPr lang="en-CA" sz="1050" dirty="0" err="1">
-                <a:solidFill>
-                  <a:srgbClr val="000000"/>
-                </a:solidFill>
-                <a:latin typeface="Courier New" panose="02070309020205020404" pitchFamily="49" charset="0"/>
-                <a:cs typeface="Courier New" panose="02070309020205020404" pitchFamily="49" charset="0"/>
-              </a:rPr>
+              <a:rPr lang="en-CA" sz="1350" dirty="0" err="1"/>
               <a:t>espn</a:t>
             </a:r>
             <a:r>
-              <a:rPr lang="en-CA" sz="1050" dirty="0">
-                <a:solidFill>
-                  <a:srgbClr val="000000"/>
-                </a:solidFill>
-                <a:latin typeface="Courier New" panose="02070309020205020404" pitchFamily="49" charset="0"/>
-                <a:cs typeface="Courier New" panose="02070309020205020404" pitchFamily="49" charset="0"/>
-              </a:rPr>
+              <a:rPr lang="en-CA" sz="1350" dirty="0"/>
               <a:t> </a:t>
             </a:r>
             <a:r>
-              <a:rPr lang="en-CA" sz="1050" dirty="0" err="1">
-                <a:solidFill>
-                  <a:srgbClr val="000000"/>
-                </a:solidFill>
-                <a:latin typeface="Courier New" panose="02070309020205020404" pitchFamily="49" charset="0"/>
-                <a:cs typeface="Courier New" panose="02070309020205020404" pitchFamily="49" charset="0"/>
-              </a:rPr>
+              <a:rPr lang="en-CA" sz="1350" dirty="0" err="1"/>
               <a:t>affin</a:t>
             </a:r>
             <a:r>
-              <a:rPr lang="en-CA" sz="1050" dirty="0">
-                <a:solidFill>
-                  <a:srgbClr val="000000"/>
-                </a:solidFill>
-                <a:latin typeface="Courier New" panose="02070309020205020404" pitchFamily="49" charset="0"/>
-                <a:cs typeface="Courier New" panose="02070309020205020404" pitchFamily="49" charset="0"/>
-              </a:rPr>
+              <a:rPr lang="en-CA" sz="1350" dirty="0"/>
               <a:t> </a:t>
             </a:r>
             <a:r>
-              <a:rPr lang="en-CA" sz="1050" dirty="0" err="1">
-                <a:solidFill>
-                  <a:srgbClr val="000000"/>
-                </a:solidFill>
-                <a:latin typeface="Courier New" panose="02070309020205020404" pitchFamily="49" charset="0"/>
-                <a:cs typeface="Courier New" panose="02070309020205020404" pitchFamily="49" charset="0"/>
-              </a:rPr>
+              <a:rPr lang="en-CA" sz="1350" dirty="0" err="1"/>
               <a:t>patrick</a:t>
             </a:r>
             <a:r>
-              <a:rPr lang="en-CA" sz="1050" dirty="0">
-                <a:solidFill>
-                  <a:srgbClr val="000000"/>
-                </a:solidFill>
-                <a:latin typeface="Courier New" panose="02070309020205020404" pitchFamily="49" charset="0"/>
-                <a:cs typeface="Courier New" panose="02070309020205020404" pitchFamily="49" charset="0"/>
-              </a:rPr>
+              <a:rPr lang="en-CA" sz="1350" dirty="0"/>
               <a:t> </a:t>
             </a:r>
             <a:r>
-              <a:rPr lang="en-CA" sz="1050" dirty="0" err="1">
-                <a:solidFill>
-                  <a:srgbClr val="000000"/>
-                </a:solidFill>
-                <a:latin typeface="Courier New" panose="02070309020205020404" pitchFamily="49" charset="0"/>
-                <a:cs typeface="Courier New" panose="02070309020205020404" pitchFamily="49" charset="0"/>
-              </a:rPr>
+              <a:rPr lang="en-CA" sz="1350" dirty="0" err="1"/>
               <a:t>probabl</a:t>
             </a:r>
             <a:r>
-              <a:rPr lang="en-CA" sz="1050" dirty="0">
-                <a:solidFill>
-                  <a:srgbClr val="000000"/>
-                </a:solidFill>
-                <a:latin typeface="Courier New" panose="02070309020205020404" pitchFamily="49" charset="0"/>
-                <a:cs typeface="Courier New" panose="02070309020205020404" pitchFamily="49" charset="0"/>
-              </a:rPr>
+              <a:rPr lang="en-CA" sz="1350" dirty="0"/>
               <a:t> travel product cost week </a:t>
             </a:r>
             <a:r>
-              <a:rPr lang="en-CA" sz="1050" dirty="0" err="1">
-                <a:solidFill>
-                  <a:srgbClr val="000000"/>
-                </a:solidFill>
-                <a:latin typeface="Courier New" panose="02070309020205020404" pitchFamily="49" charset="0"/>
-                <a:cs typeface="Courier New" panose="02070309020205020404" pitchFamily="49" charset="0"/>
-              </a:rPr>
+              <a:rPr lang="en-CA" sz="1350" dirty="0" err="1"/>
               <a:t>nhn</a:t>
             </a:r>
             <a:r>
-              <a:rPr lang="en-CA" sz="1050" dirty="0">
-                <a:solidFill>
-                  <a:srgbClr val="000000"/>
-                </a:solidFill>
-                <a:latin typeface="Courier New" panose="02070309020205020404" pitchFamily="49" charset="0"/>
-                <a:cs typeface="Courier New" panose="02070309020205020404" pitchFamily="49" charset="0"/>
-              </a:rPr>
+              <a:rPr lang="en-CA" sz="1350" dirty="0"/>
               <a:t> nation hockey night affair </a:t>
             </a:r>
             <a:r>
-              <a:rPr lang="en-CA" sz="1050" dirty="0" err="1">
-                <a:solidFill>
-                  <a:srgbClr val="000000"/>
-                </a:solidFill>
-                <a:latin typeface="Courier New" panose="02070309020205020404" pitchFamily="49" charset="0"/>
-                <a:cs typeface="Courier New" panose="02070309020205020404" pitchFamily="49" charset="0"/>
-              </a:rPr>
+              <a:rPr lang="en-CA" sz="1350" dirty="0" err="1"/>
               <a:t>espn</a:t>
             </a:r>
             <a:r>
-              <a:rPr lang="en-CA" sz="1050" dirty="0">
-                <a:solidFill>
-                  <a:srgbClr val="000000"/>
-                </a:solidFill>
-                <a:latin typeface="Courier New" panose="02070309020205020404" pitchFamily="49" charset="0"/>
-                <a:cs typeface="Courier New" panose="02070309020205020404" pitchFamily="49" charset="0"/>
-              </a:rPr>
+              <a:rPr lang="en-CA" sz="1350" dirty="0"/>
               <a:t> </a:t>
             </a:r>
             <a:r>
-              <a:rPr lang="en-CA" sz="1050" dirty="0" err="1">
-                <a:solidFill>
-                  <a:srgbClr val="000000"/>
-                </a:solidFill>
-                <a:latin typeface="Courier New" panose="02070309020205020404" pitchFamily="49" charset="0"/>
-                <a:cs typeface="Courier New" panose="02070309020205020404" pitchFamily="49" charset="0"/>
-              </a:rPr>
+              <a:rPr lang="en-CA" sz="1350" dirty="0" err="1"/>
               <a:t>abc</a:t>
             </a:r>
             <a:r>
-              <a:rPr lang="en-CA" sz="1050" dirty="0">
-                <a:solidFill>
-                  <a:srgbClr val="000000"/>
-                </a:solidFill>
-                <a:latin typeface="Courier New" panose="02070309020205020404" pitchFamily="49" charset="0"/>
-                <a:cs typeface="Courier New" panose="02070309020205020404" pitchFamily="49" charset="0"/>
-              </a:rPr>
+              <a:rPr lang="en-CA" sz="1350" dirty="0"/>
               <a:t> owner </a:t>
             </a:r>
             <a:r>
-              <a:rPr lang="en-CA" sz="1050" dirty="0" err="1">
-                <a:solidFill>
-                  <a:srgbClr val="000000"/>
-                </a:solidFill>
-                <a:latin typeface="Courier New" panose="02070309020205020404" pitchFamily="49" charset="0"/>
-                <a:cs typeface="Courier New" panose="02070309020205020404" pitchFamily="49" charset="0"/>
-              </a:rPr>
+              <a:rPr lang="en-CA" sz="1350" dirty="0" err="1"/>
               <a:t>capit</a:t>
             </a:r>
             <a:r>
-              <a:rPr lang="en-CA" sz="1050" dirty="0">
-                <a:solidFill>
-                  <a:srgbClr val="000000"/>
-                </a:solidFill>
-                <a:latin typeface="Courier New" panose="02070309020205020404" pitchFamily="49" charset="0"/>
-                <a:cs typeface="Courier New" panose="02070309020205020404" pitchFamily="49" charset="0"/>
-              </a:rPr>
+              <a:rPr lang="en-CA" sz="1350" dirty="0"/>
               <a:t> </a:t>
             </a:r>
             <a:r>
-              <a:rPr lang="en-CA" sz="1050" dirty="0" err="1">
-                <a:solidFill>
-                  <a:srgbClr val="000000"/>
-                </a:solidFill>
-                <a:latin typeface="Courier New" panose="02070309020205020404" pitchFamily="49" charset="0"/>
-                <a:cs typeface="Courier New" panose="02070309020205020404" pitchFamily="49" charset="0"/>
-              </a:rPr>
+              <a:rPr lang="en-CA" sz="1350" dirty="0" err="1"/>
               <a:t>citi</a:t>
             </a:r>
             <a:r>
-              <a:rPr lang="en-CA" sz="1050" dirty="0">
-                <a:solidFill>
-                  <a:srgbClr val="000000"/>
-                </a:solidFill>
-                <a:latin typeface="Courier New" panose="02070309020205020404" pitchFamily="49" charset="0"/>
-                <a:cs typeface="Courier New" panose="02070309020205020404" pitchFamily="49" charset="0"/>
-              </a:rPr>
+              <a:rPr lang="en-CA" sz="1350" dirty="0"/>
               <a:t> </a:t>
             </a:r>
             <a:r>
-              <a:rPr lang="en-CA" sz="1050" dirty="0" err="1">
-                <a:solidFill>
-                  <a:srgbClr val="000000"/>
-                </a:solidFill>
-                <a:latin typeface="Courier New" panose="02070309020205020404" pitchFamily="49" charset="0"/>
-                <a:cs typeface="Courier New" panose="02070309020205020404" pitchFamily="49" charset="0"/>
-              </a:rPr>
+              <a:rPr lang="en-CA" sz="1350" dirty="0" err="1"/>
               <a:t>compani</a:t>
             </a:r>
             <a:r>
-              <a:rPr lang="en-CA" sz="1050" dirty="0">
-                <a:solidFill>
-                  <a:srgbClr val="000000"/>
-                </a:solidFill>
-                <a:latin typeface="Courier New" panose="02070309020205020404" pitchFamily="49" charset="0"/>
-                <a:cs typeface="Courier New" panose="02070309020205020404" pitchFamily="49" charset="0"/>
-              </a:rPr>
+              <a:rPr lang="en-CA" sz="1350" dirty="0"/>
               <a:t> known quit </a:t>
             </a:r>
             <a:r>
-              <a:rPr lang="en-CA" sz="1050" dirty="0" err="1">
-                <a:solidFill>
-                  <a:srgbClr val="000000"/>
-                </a:solidFill>
-                <a:latin typeface="Courier New" panose="02070309020205020404" pitchFamily="49" charset="0"/>
-                <a:cs typeface="Courier New" panose="02070309020205020404" pitchFamily="49" charset="0"/>
-              </a:rPr>
+              <a:rPr lang="en-CA" sz="1350" dirty="0" err="1"/>
               <a:t>thrifti</a:t>
             </a:r>
             <a:r>
-              <a:rPr lang="en-CA" sz="1050" dirty="0">
-                <a:solidFill>
-                  <a:srgbClr val="000000"/>
-                </a:solidFill>
-                <a:latin typeface="Courier New" panose="02070309020205020404" pitchFamily="49" charset="0"/>
-                <a:cs typeface="Courier New" panose="02070309020205020404" pitchFamily="49" charset="0"/>
-              </a:rPr>
+              <a:rPr lang="en-CA" sz="1350" dirty="0"/>
               <a:t> minim overhead cost quit </a:t>
             </a:r>
             <a:r>
-              <a:rPr lang="en-CA" sz="1050" dirty="0" err="1">
-                <a:solidFill>
-                  <a:srgbClr val="000000"/>
-                </a:solidFill>
-                <a:latin typeface="Courier New" panose="02070309020205020404" pitchFamily="49" charset="0"/>
-                <a:cs typeface="Courier New" panose="02070309020205020404" pitchFamily="49" charset="0"/>
-              </a:rPr>
+              <a:rPr lang="en-CA" sz="1350" dirty="0" err="1"/>
               <a:t>possibl</a:t>
             </a:r>
             <a:r>
-              <a:rPr lang="en-CA" sz="1050" dirty="0">
-                <a:solidFill>
-                  <a:srgbClr val="000000"/>
-                </a:solidFill>
-                <a:latin typeface="Courier New" panose="02070309020205020404" pitchFamily="49" charset="0"/>
-                <a:cs typeface="Courier New" panose="02070309020205020404" pitchFamily="49" charset="0"/>
-              </a:rPr>
+              <a:rPr lang="en-CA" sz="1350" dirty="0"/>
               <a:t> </a:t>
             </a:r>
             <a:r>
-              <a:rPr lang="en-CA" sz="1050" dirty="0" err="1">
-                <a:solidFill>
-                  <a:srgbClr val="000000"/>
-                </a:solidFill>
-                <a:latin typeface="Courier New" panose="02070309020205020404" pitchFamily="49" charset="0"/>
-                <a:cs typeface="Courier New" panose="02070309020205020404" pitchFamily="49" charset="0"/>
-              </a:rPr>
+              <a:rPr lang="en-CA" sz="1350" dirty="0" err="1"/>
               <a:t>jim</a:t>
             </a:r>
             <a:r>
-              <a:rPr lang="en-CA" sz="1050" dirty="0">
-                <a:solidFill>
-                  <a:srgbClr val="000000"/>
-                </a:solidFill>
-                <a:latin typeface="Courier New" panose="02070309020205020404" pitchFamily="49" charset="0"/>
-                <a:cs typeface="Courier New" panose="02070309020205020404" pitchFamily="49" charset="0"/>
-              </a:rPr>
+              <a:rPr lang="en-CA" sz="1350" dirty="0"/>
               <a:t> </a:t>
             </a:r>
             <a:r>
-              <a:rPr lang="en-CA" sz="1050" dirty="0" err="1">
-                <a:solidFill>
-                  <a:srgbClr val="000000"/>
-                </a:solidFill>
-                <a:latin typeface="Courier New" panose="02070309020205020404" pitchFamily="49" charset="0"/>
-                <a:cs typeface="Courier New" panose="02070309020205020404" pitchFamily="49" charset="0"/>
-              </a:rPr>
+              <a:rPr lang="en-CA" sz="1350" dirty="0" err="1"/>
               <a:t>schoenfeld</a:t>
             </a:r>
             <a:r>
-              <a:rPr lang="en-CA" sz="1050" dirty="0">
-                <a:solidFill>
-                  <a:srgbClr val="000000"/>
-                </a:solidFill>
-                <a:latin typeface="Courier New" panose="02070309020205020404" pitchFamily="49" charset="0"/>
-                <a:cs typeface="Courier New" panose="02070309020205020404" pitchFamily="49" charset="0"/>
-              </a:rPr>
+              <a:rPr lang="en-CA" sz="1350" dirty="0"/>
               <a:t> may work doughnut </a:t>
             </a:r>
             <a:r>
-              <a:rPr lang="en-CA" sz="1050" dirty="0" err="1">
-                <a:solidFill>
-                  <a:srgbClr val="000000"/>
-                </a:solidFill>
-                <a:latin typeface="Courier New" panose="02070309020205020404" pitchFamily="49" charset="0"/>
-                <a:cs typeface="Courier New" panose="02070309020205020404" pitchFamily="49" charset="0"/>
-              </a:rPr>
+              <a:rPr lang="en-CA" sz="1350" dirty="0" err="1"/>
               <a:t>gari</a:t>
             </a:r>
             <a:r>
-              <a:rPr lang="en-CA" sz="1050" dirty="0">
-                <a:solidFill>
-                  <a:srgbClr val="000000"/>
-                </a:solidFill>
-                <a:latin typeface="Courier New" panose="02070309020205020404" pitchFamily="49" charset="0"/>
-                <a:cs typeface="Courier New" panose="02070309020205020404" pitchFamily="49" charset="0"/>
-              </a:rPr>
+              <a:rPr lang="en-CA" sz="1350" dirty="0"/>
               <a:t> thorn bill clement base rest </a:t>
             </a:r>
             <a:r>
-              <a:rPr lang="en-CA" sz="1050" dirty="0" err="1">
-                <a:solidFill>
-                  <a:srgbClr val="000000"/>
-                </a:solidFill>
-                <a:latin typeface="Courier New" panose="02070309020205020404" pitchFamily="49" charset="0"/>
-                <a:cs typeface="Courier New" panose="02070309020205020404" pitchFamily="49" charset="0"/>
-              </a:rPr>
+              <a:rPr lang="en-CA" sz="1350" dirty="0" err="1"/>
               <a:t>espn</a:t>
             </a:r>
             <a:r>
-              <a:rPr lang="en-CA" sz="1050" dirty="0">
-                <a:solidFill>
-                  <a:srgbClr val="000000"/>
-                </a:solidFill>
-                <a:latin typeface="Courier New" panose="02070309020205020404" pitchFamily="49" charset="0"/>
-                <a:cs typeface="Courier New" panose="02070309020205020404" pitchFamily="49" charset="0"/>
-              </a:rPr>
+              <a:rPr lang="en-CA" sz="1350" dirty="0"/>
               <a:t> crew </a:t>
             </a:r>
             <a:r>
-              <a:rPr lang="en-CA" sz="1050" dirty="0" err="1">
-                <a:solidFill>
-                  <a:srgbClr val="000000"/>
-                </a:solidFill>
-                <a:latin typeface="Courier New" panose="02070309020205020404" pitchFamily="49" charset="0"/>
-                <a:cs typeface="Courier New" panose="02070309020205020404" pitchFamily="49" charset="0"/>
-              </a:rPr>
+              <a:rPr lang="en-CA" sz="1350" dirty="0" err="1"/>
               <a:t>resid</a:t>
             </a:r>
             <a:r>
-              <a:rPr lang="en-CA" sz="1050" dirty="0">
-                <a:solidFill>
-                  <a:srgbClr val="000000"/>
-                </a:solidFill>
-                <a:latin typeface="Courier New" panose="02070309020205020404" pitchFamily="49" charset="0"/>
-                <a:cs typeface="Courier New" panose="02070309020205020404" pitchFamily="49" charset="0"/>
-              </a:rPr>
+              <a:rPr lang="en-CA" sz="1350" dirty="0"/>
               <a:t> suburban close </a:t>
             </a:r>
             <a:r>
-              <a:rPr lang="en-CA" sz="1050" dirty="0" err="1">
-                <a:solidFill>
-                  <a:srgbClr val="000000"/>
-                </a:solidFill>
-                <a:latin typeface="Courier New" panose="02070309020205020404" pitchFamily="49" charset="0"/>
-                <a:cs typeface="Courier New" panose="02070309020205020404" pitchFamily="49" charset="0"/>
-              </a:rPr>
+              <a:rPr lang="en-CA" sz="1350" dirty="0" err="1"/>
               <a:t>proxim</a:t>
             </a:r>
             <a:r>
-              <a:rPr lang="en-CA" sz="1050" dirty="0">
-                <a:solidFill>
-                  <a:srgbClr val="000000"/>
-                </a:solidFill>
-                <a:latin typeface="Courier New" panose="02070309020205020404" pitchFamily="49" charset="0"/>
-                <a:cs typeface="Courier New" panose="02070309020205020404" pitchFamily="49" charset="0"/>
-              </a:rPr>
+              <a:rPr lang="en-CA" sz="1350" dirty="0"/>
               <a:t> tri state area </a:t>
             </a:r>
             <a:r>
-              <a:rPr lang="en-CA" sz="1050" dirty="0" err="1">
-                <a:solidFill>
-                  <a:srgbClr val="000000"/>
-                </a:solidFill>
-                <a:latin typeface="Courier New" panose="02070309020205020404" pitchFamily="49" charset="0"/>
-                <a:cs typeface="Courier New" panose="02070309020205020404" pitchFamily="49" charset="0"/>
-              </a:rPr>
+              <a:rPr lang="en-CA" sz="1350" dirty="0" err="1"/>
               <a:t>plu</a:t>
             </a:r>
             <a:r>
-              <a:rPr lang="en-CA" sz="1050" dirty="0">
-                <a:solidFill>
-                  <a:srgbClr val="000000"/>
-                </a:solidFill>
-                <a:latin typeface="Courier New" panose="02070309020205020404" pitchFamily="49" charset="0"/>
-                <a:cs typeface="Courier New" panose="02070309020205020404" pitchFamily="49" charset="0"/>
-              </a:rPr>
+              <a:rPr lang="en-CA" sz="1350" dirty="0"/>
               <a:t> make </a:t>
             </a:r>
             <a:r>
-              <a:rPr lang="en-CA" sz="1050" dirty="0" err="1">
-                <a:solidFill>
-                  <a:srgbClr val="000000"/>
-                </a:solidFill>
-                <a:latin typeface="Courier New" panose="02070309020205020404" pitchFamily="49" charset="0"/>
-                <a:cs typeface="Courier New" panose="02070309020205020404" pitchFamily="49" charset="0"/>
-              </a:rPr>
+              <a:rPr lang="en-CA" sz="1350" dirty="0" err="1"/>
               <a:t>sens</a:t>
             </a:r>
             <a:r>
-              <a:rPr lang="en-CA" sz="1050" dirty="0">
-                <a:solidFill>
-                  <a:srgbClr val="000000"/>
-                </a:solidFill>
-                <a:latin typeface="Courier New" panose="02070309020205020404" pitchFamily="49" charset="0"/>
-                <a:cs typeface="Courier New" panose="02070309020205020404" pitchFamily="49" charset="0"/>
-              </a:rPr>
+              <a:rPr lang="en-CA" sz="1350" dirty="0"/>
               <a:t> term solid hockey follow northeast corridor </a:t>
             </a:r>
             <a:r>
-              <a:rPr lang="en-CA" sz="1050" dirty="0" err="1">
-                <a:solidFill>
-                  <a:srgbClr val="000000"/>
-                </a:solidFill>
-                <a:latin typeface="Courier New" panose="02070309020205020404" pitchFamily="49" charset="0"/>
-                <a:cs typeface="Courier New" panose="02070309020205020404" pitchFamily="49" charset="0"/>
-              </a:rPr>
+              <a:rPr lang="en-CA" sz="1350" dirty="0" err="1"/>
               <a:t>maryland</a:t>
             </a:r>
             <a:r>
-              <a:rPr lang="en-CA" sz="1050" dirty="0">
-                <a:solidFill>
-                  <a:srgbClr val="000000"/>
-                </a:solidFill>
-                <a:latin typeface="Courier New" panose="02070309020205020404" pitchFamily="49" charset="0"/>
-                <a:cs typeface="Courier New" panose="02070309020205020404" pitchFamily="49" charset="0"/>
-              </a:rPr>
+              <a:rPr lang="en-CA" sz="1350" dirty="0"/>
               <a:t> </a:t>
             </a:r>
             <a:r>
-              <a:rPr lang="en-CA" sz="1050" dirty="0" err="1">
-                <a:solidFill>
-                  <a:srgbClr val="000000"/>
-                </a:solidFill>
-                <a:latin typeface="Courier New" panose="02070309020205020404" pitchFamily="49" charset="0"/>
-                <a:cs typeface="Courier New" panose="02070309020205020404" pitchFamily="49" charset="0"/>
-              </a:rPr>
+              <a:rPr lang="en-CA" sz="1350" dirty="0" err="1"/>
               <a:t>wherea</a:t>
             </a:r>
             <a:r>
-              <a:rPr lang="en-CA" sz="1050" dirty="0">
-                <a:solidFill>
-                  <a:srgbClr val="000000"/>
-                </a:solidFill>
-                <a:latin typeface="Courier New" panose="02070309020205020404" pitchFamily="49" charset="0"/>
-                <a:cs typeface="Courier New" panose="02070309020205020404" pitchFamily="49" charset="0"/>
-              </a:rPr>
+              <a:rPr lang="en-CA" sz="1350" dirty="0"/>
               <a:t> </a:t>
             </a:r>
             <a:r>
-              <a:rPr lang="en-CA" sz="1050" dirty="0" err="1">
-                <a:solidFill>
-                  <a:srgbClr val="000000"/>
-                </a:solidFill>
-                <a:latin typeface="Courier New" panose="02070309020205020404" pitchFamily="49" charset="0"/>
-                <a:cs typeface="Courier New" panose="02070309020205020404" pitchFamily="49" charset="0"/>
-              </a:rPr>
+              <a:rPr lang="en-CA" sz="1350" dirty="0" err="1"/>
               <a:t>adam</a:t>
             </a:r>
             <a:r>
-              <a:rPr lang="en-CA" sz="1050" dirty="0">
-                <a:solidFill>
-                  <a:srgbClr val="000000"/>
-                </a:solidFill>
-                <a:latin typeface="Courier New" panose="02070309020205020404" pitchFamily="49" charset="0"/>
-                <a:cs typeface="Courier New" panose="02070309020205020404" pitchFamily="49" charset="0"/>
-              </a:rPr>
+              <a:rPr lang="en-CA" sz="1350" dirty="0"/>
               <a:t> </a:t>
             </a:r>
             <a:r>
-              <a:rPr lang="en-CA" sz="1050" dirty="0" err="1">
-                <a:solidFill>
-                  <a:srgbClr val="000000"/>
-                </a:solidFill>
-                <a:latin typeface="Courier New" panose="02070309020205020404" pitchFamily="49" charset="0"/>
-                <a:cs typeface="Courier New" panose="02070309020205020404" pitchFamily="49" charset="0"/>
-              </a:rPr>
+              <a:rPr lang="en-CA" sz="1350" dirty="0" err="1"/>
               <a:t>american</a:t>
             </a:r>
             <a:r>
-              <a:rPr lang="en-CA" sz="1050" dirty="0">
-                <a:solidFill>
-                  <a:srgbClr val="000000"/>
-                </a:solidFill>
-                <a:latin typeface="Courier New" panose="02070309020205020404" pitchFamily="49" charset="0"/>
-                <a:cs typeface="Courier New" panose="02070309020205020404" pitchFamily="49" charset="0"/>
-              </a:rPr>
+              <a:rPr lang="en-CA" sz="1350" dirty="0"/>
               <a:t> base team buffalo </a:t>
             </a:r>
             <a:r>
-              <a:rPr lang="en-CA" sz="1050" dirty="0" err="1">
-                <a:solidFill>
-                  <a:srgbClr val="000000"/>
-                </a:solidFill>
-                <a:latin typeface="Courier New" panose="02070309020205020404" pitchFamily="49" charset="0"/>
-                <a:cs typeface="Courier New" panose="02070309020205020404" pitchFamily="49" charset="0"/>
-              </a:rPr>
+              <a:rPr lang="en-CA" sz="1350" dirty="0" err="1"/>
               <a:t>hartford</a:t>
             </a:r>
             <a:r>
-              <a:rPr lang="en-CA" sz="1050" dirty="0">
-                <a:solidFill>
-                  <a:srgbClr val="000000"/>
-                </a:solidFill>
-                <a:latin typeface="Courier New" panose="02070309020205020404" pitchFamily="49" charset="0"/>
-                <a:cs typeface="Courier New" panose="02070309020205020404" pitchFamily="49" charset="0"/>
-              </a:rPr>
-              <a:t> top market     </a:t>
-            </a:r>
-          </a:p>
-          <a:p>
-            <a:endParaRPr lang="en-CA" sz="1350" dirty="0"/>
-          </a:p>
-          <a:p>
-            <a:endParaRPr lang="en-CA" sz="1350" dirty="0"/>
+              <a:rPr lang="en-CA" sz="1350" dirty="0"/>
+              <a:t> top market</a:t>
+            </a:r>
           </a:p>
           <a:p>
             <a:endParaRPr lang="en-CA" sz="1350" dirty="0"/>
@@ -7169,6 +7068,8 @@
           <a:prstGeom prst="rightArrow">
             <a:avLst/>
           </a:prstGeom>
+          <a:noFill/>
+          <a:ln w="38100"/>
         </p:spPr>
         <p:style>
           <a:lnRef idx="2">
@@ -7281,104 +7182,390 @@
           </a:xfrm>
         </p:spPr>
         <p:txBody>
-          <a:bodyPr/>
+          <a:bodyPr>
+            <a:normAutofit/>
+          </a:bodyPr>
           <a:lstStyle/>
           <a:p>
             <a:r>
-              <a:rPr lang="en-CA" dirty="0"/>
+              <a:rPr lang="en-CA" sz="2000" dirty="0"/>
               <a:t>Use </a:t>
             </a:r>
             <a:r>
-              <a:rPr lang="en-CA" dirty="0" err="1"/>
+              <a:rPr lang="en-CA" sz="2000" dirty="0" err="1"/>
               <a:t>scikit</a:t>
             </a:r>
             <a:r>
-              <a:rPr lang="en-CA" dirty="0"/>
+              <a:rPr lang="en-CA" sz="2000" dirty="0"/>
               <a:t> </a:t>
             </a:r>
             <a:r>
-              <a:rPr lang="en-CA" dirty="0" err="1"/>
+              <a:rPr lang="en-CA" sz="2000" dirty="0" err="1"/>
               <a:t>learn’s</a:t>
             </a:r>
             <a:r>
-              <a:rPr lang="en-CA" dirty="0"/>
+              <a:rPr lang="en-CA" sz="2000" dirty="0"/>
               <a:t> </a:t>
             </a:r>
             <a:r>
-              <a:rPr lang="en-CA" dirty="0" err="1"/>
+              <a:rPr lang="en-CA" sz="2000" dirty="0" err="1"/>
               <a:t>TfidfVectorizer</a:t>
             </a:r>
             <a:r>
-              <a:rPr lang="en-CA" dirty="0"/>
+              <a:rPr lang="en-CA" sz="2000" dirty="0"/>
               <a:t>()</a:t>
             </a:r>
           </a:p>
           <a:p>
             <a:r>
-              <a:rPr lang="en-CA" dirty="0"/>
+              <a:rPr lang="en-CA" sz="2000" dirty="0"/>
               <a:t>Several choices here which have a big impact on the performance of models (in terms of prediction and run time)</a:t>
             </a:r>
           </a:p>
           <a:p>
-            <a:r>
-              <a:rPr lang="en-CA" dirty="0"/>
-              <a:t>vectorizer = </a:t>
-            </a:r>
-            <a:r>
-              <a:rPr lang="en-CA" dirty="0" err="1"/>
-              <a:t>TfidfVectorizer</a:t>
-            </a:r>
-            <a:r>
-              <a:rPr lang="en-CA" dirty="0"/>
-              <a:t>(</a:t>
-            </a:r>
-            <a:r>
-              <a:rPr lang="en-CA" dirty="0" err="1"/>
-              <a:t>min_df</a:t>
-            </a:r>
-            <a:r>
-              <a:rPr lang="en-CA" dirty="0"/>
-              <a:t>=6, 		</a:t>
-            </a:r>
-            <a:r>
-              <a:rPr lang="en-CA" dirty="0" err="1"/>
-              <a:t>strip_accents</a:t>
-            </a:r>
-            <a:r>
-              <a:rPr lang="en-CA" dirty="0"/>
-              <a:t>='ascii', analyzer='word’, 	lowercase=True, </a:t>
-            </a:r>
-            <a:r>
-              <a:rPr lang="en-CA" dirty="0" err="1"/>
-              <a:t>ngram_range</a:t>
-            </a:r>
-            <a:r>
-              <a:rPr lang="en-CA" dirty="0"/>
-              <a:t>=(1,2), 	</a:t>
-            </a:r>
-            <a:r>
-              <a:rPr lang="en-CA" dirty="0" err="1"/>
-              <a:t>sublinear_tf</a:t>
-            </a:r>
-            <a:r>
-              <a:rPr lang="en-CA" dirty="0"/>
-              <a:t>=False)</a:t>
-            </a:r>
-          </a:p>
-          <a:p>
-            <a:r>
-              <a:rPr lang="en-CA" dirty="0" err="1"/>
+            <a:endParaRPr lang="en-CA" dirty="0"/>
+          </a:p>
+          <a:p>
+            <a:endParaRPr lang="en-CA" dirty="0"/>
+          </a:p>
+        </p:txBody>
+      </p:sp>
+      <p:sp>
+        <p:nvSpPr>
+          <p:cNvPr id="5" name="Content Placeholder 2">
+            <a:extLst>
+              <a:ext uri="{FF2B5EF4-FFF2-40B4-BE49-F238E27FC236}">
+                <a16:creationId xmlns:a16="http://schemas.microsoft.com/office/drawing/2014/main" id="{C8F77988-DFA4-4E99-B649-3744CCB0355A}"/>
+              </a:ext>
+            </a:extLst>
+          </p:cNvPr>
+          <p:cNvSpPr txBox="1">
+            <a:spLocks/>
+          </p:cNvSpPr>
+          <p:nvPr/>
+        </p:nvSpPr>
+        <p:spPr>
+          <a:xfrm>
+            <a:off x="628650" y="4842220"/>
+            <a:ext cx="7905750" cy="922338"/>
+          </a:xfrm>
+          <a:prstGeom prst="rect">
+            <a:avLst/>
+          </a:prstGeom>
+        </p:spPr>
+        <p:txBody>
+          <a:bodyPr vert="horz" lIns="91440" tIns="45720" rIns="91440" bIns="45720" rtlCol="0">
+            <a:normAutofit/>
+          </a:bodyPr>
+          <a:lstStyle>
+            <a:lvl1pPr marL="228600" indent="-228600" algn="l" defTabSz="914400" rtl="0" eaLnBrk="1" latinLnBrk="0" hangingPunct="1">
+              <a:lnSpc>
+                <a:spcPct val="90000"/>
+              </a:lnSpc>
+              <a:spcBef>
+                <a:spcPts val="1000"/>
+              </a:spcBef>
+              <a:buFont typeface="Arial" panose="020B0604020202020204" pitchFamily="34" charset="0"/>
+              <a:buChar char="•"/>
+              <a:defRPr sz="2800" kern="1200">
+                <a:solidFill>
+                  <a:schemeClr val="tx1"/>
+                </a:solidFill>
+                <a:latin typeface="+mn-lt"/>
+                <a:ea typeface="+mn-ea"/>
+                <a:cs typeface="+mn-cs"/>
+              </a:defRPr>
+            </a:lvl1pPr>
+            <a:lvl2pPr marL="685800" indent="-228600" algn="l" defTabSz="914400" rtl="0" eaLnBrk="1" latinLnBrk="0" hangingPunct="1">
+              <a:lnSpc>
+                <a:spcPct val="90000"/>
+              </a:lnSpc>
+              <a:spcBef>
+                <a:spcPts val="500"/>
+              </a:spcBef>
+              <a:buFont typeface="Arial" panose="020B0604020202020204" pitchFamily="34" charset="0"/>
+              <a:buChar char="•"/>
+              <a:defRPr sz="2400" kern="1200">
+                <a:solidFill>
+                  <a:schemeClr val="tx1"/>
+                </a:solidFill>
+                <a:latin typeface="+mn-lt"/>
+                <a:ea typeface="+mn-ea"/>
+                <a:cs typeface="+mn-cs"/>
+              </a:defRPr>
+            </a:lvl2pPr>
+            <a:lvl3pPr marL="1143000" indent="-228600" algn="l" defTabSz="914400" rtl="0" eaLnBrk="1" latinLnBrk="0" hangingPunct="1">
+              <a:lnSpc>
+                <a:spcPct val="90000"/>
+              </a:lnSpc>
+              <a:spcBef>
+                <a:spcPts val="500"/>
+              </a:spcBef>
+              <a:buFont typeface="Arial" panose="020B0604020202020204" pitchFamily="34" charset="0"/>
+              <a:buChar char="•"/>
+              <a:defRPr sz="2000" kern="1200">
+                <a:solidFill>
+                  <a:schemeClr val="tx1"/>
+                </a:solidFill>
+                <a:latin typeface="+mn-lt"/>
+                <a:ea typeface="+mn-ea"/>
+                <a:cs typeface="+mn-cs"/>
+              </a:defRPr>
+            </a:lvl3pPr>
+            <a:lvl4pPr marL="1600200" indent="-228600" algn="l" defTabSz="914400" rtl="0" eaLnBrk="1" latinLnBrk="0" hangingPunct="1">
+              <a:lnSpc>
+                <a:spcPct val="90000"/>
+              </a:lnSpc>
+              <a:spcBef>
+                <a:spcPts val="500"/>
+              </a:spcBef>
+              <a:buFont typeface="Arial" panose="020B0604020202020204" pitchFamily="34" charset="0"/>
+              <a:buChar char="•"/>
+              <a:defRPr sz="1800" kern="1200">
+                <a:solidFill>
+                  <a:schemeClr val="tx1"/>
+                </a:solidFill>
+                <a:latin typeface="+mn-lt"/>
+                <a:ea typeface="+mn-ea"/>
+                <a:cs typeface="+mn-cs"/>
+              </a:defRPr>
+            </a:lvl4pPr>
+            <a:lvl5pPr marL="2057400" indent="-228600" algn="l" defTabSz="914400" rtl="0" eaLnBrk="1" latinLnBrk="0" hangingPunct="1">
+              <a:lnSpc>
+                <a:spcPct val="90000"/>
+              </a:lnSpc>
+              <a:spcBef>
+                <a:spcPts val="500"/>
+              </a:spcBef>
+              <a:buFont typeface="Arial" panose="020B0604020202020204" pitchFamily="34" charset="0"/>
+              <a:buChar char="•"/>
+              <a:defRPr sz="1800" kern="1200">
+                <a:solidFill>
+                  <a:schemeClr val="tx1"/>
+                </a:solidFill>
+                <a:latin typeface="+mn-lt"/>
+                <a:ea typeface="+mn-ea"/>
+                <a:cs typeface="+mn-cs"/>
+              </a:defRPr>
+            </a:lvl5pPr>
+            <a:lvl6pPr marL="2514600" indent="-228600" algn="l" defTabSz="914400" rtl="0" eaLnBrk="1" latinLnBrk="0" hangingPunct="1">
+              <a:lnSpc>
+                <a:spcPct val="90000"/>
+              </a:lnSpc>
+              <a:spcBef>
+                <a:spcPts val="500"/>
+              </a:spcBef>
+              <a:buFont typeface="Arial" panose="020B0604020202020204" pitchFamily="34" charset="0"/>
+              <a:buChar char="•"/>
+              <a:defRPr sz="1800" kern="1200">
+                <a:solidFill>
+                  <a:schemeClr val="tx1"/>
+                </a:solidFill>
+                <a:latin typeface="+mn-lt"/>
+                <a:ea typeface="+mn-ea"/>
+                <a:cs typeface="+mn-cs"/>
+              </a:defRPr>
+            </a:lvl6pPr>
+            <a:lvl7pPr marL="2971800" indent="-228600" algn="l" defTabSz="914400" rtl="0" eaLnBrk="1" latinLnBrk="0" hangingPunct="1">
+              <a:lnSpc>
+                <a:spcPct val="90000"/>
+              </a:lnSpc>
+              <a:spcBef>
+                <a:spcPts val="500"/>
+              </a:spcBef>
+              <a:buFont typeface="Arial" panose="020B0604020202020204" pitchFamily="34" charset="0"/>
+              <a:buChar char="•"/>
+              <a:defRPr sz="1800" kern="1200">
+                <a:solidFill>
+                  <a:schemeClr val="tx1"/>
+                </a:solidFill>
+                <a:latin typeface="+mn-lt"/>
+                <a:ea typeface="+mn-ea"/>
+                <a:cs typeface="+mn-cs"/>
+              </a:defRPr>
+            </a:lvl7pPr>
+            <a:lvl8pPr marL="3429000" indent="-228600" algn="l" defTabSz="914400" rtl="0" eaLnBrk="1" latinLnBrk="0" hangingPunct="1">
+              <a:lnSpc>
+                <a:spcPct val="90000"/>
+              </a:lnSpc>
+              <a:spcBef>
+                <a:spcPts val="500"/>
+              </a:spcBef>
+              <a:buFont typeface="Arial" panose="020B0604020202020204" pitchFamily="34" charset="0"/>
+              <a:buChar char="•"/>
+              <a:defRPr sz="1800" kern="1200">
+                <a:solidFill>
+                  <a:schemeClr val="tx1"/>
+                </a:solidFill>
+                <a:latin typeface="+mn-lt"/>
+                <a:ea typeface="+mn-ea"/>
+                <a:cs typeface="+mn-cs"/>
+              </a:defRPr>
+            </a:lvl8pPr>
+            <a:lvl9pPr marL="3886200" indent="-228600" algn="l" defTabSz="914400" rtl="0" eaLnBrk="1" latinLnBrk="0" hangingPunct="1">
+              <a:lnSpc>
+                <a:spcPct val="90000"/>
+              </a:lnSpc>
+              <a:spcBef>
+                <a:spcPts val="500"/>
+              </a:spcBef>
+              <a:buFont typeface="Arial" panose="020B0604020202020204" pitchFamily="34" charset="0"/>
+              <a:buChar char="•"/>
+              <a:defRPr sz="1800" kern="1200">
+                <a:solidFill>
+                  <a:schemeClr val="tx1"/>
+                </a:solidFill>
+                <a:latin typeface="+mn-lt"/>
+                <a:ea typeface="+mn-ea"/>
+                <a:cs typeface="+mn-cs"/>
+              </a:defRPr>
+            </a:lvl9pPr>
+          </a:lstStyle>
+          <a:p>
+            <a:r>
+              <a:rPr lang="en-CA" sz="2000" dirty="0" err="1"/>
               <a:t>X_train.shape</a:t>
             </a:r>
-            <a:endParaRPr lang="en-CA" dirty="0"/>
+            <a:endParaRPr lang="en-CA" sz="2000" dirty="0"/>
           </a:p>
           <a:p>
             <a:pPr marL="342900" lvl="1" indent="0">
+              <a:buFont typeface="Arial" panose="020B0604020202020204" pitchFamily="34" charset="0"/>
               <a:buNone/>
             </a:pPr>
             <a:r>
-              <a:rPr lang="en-CA" dirty="0"/>
+              <a:rPr lang="en-CA" sz="1800" dirty="0"/>
               <a:t>(4733, 8474)</a:t>
+            </a:r>
+          </a:p>
+        </p:txBody>
+      </p:sp>
+      <p:sp>
+        <p:nvSpPr>
+          <p:cNvPr id="6" name="Rectangle 5">
+            <a:extLst>
+              <a:ext uri="{FF2B5EF4-FFF2-40B4-BE49-F238E27FC236}">
+                <a16:creationId xmlns:a16="http://schemas.microsoft.com/office/drawing/2014/main" id="{1970AB79-5C73-48CE-A5A8-B8BA33EE543E}"/>
+              </a:ext>
+            </a:extLst>
+          </p:cNvPr>
+          <p:cNvSpPr/>
+          <p:nvPr/>
+        </p:nvSpPr>
+        <p:spPr>
+          <a:xfrm>
+            <a:off x="887895" y="3203713"/>
+            <a:ext cx="7076662" cy="1182757"/>
+          </a:xfrm>
+          <a:prstGeom prst="rect">
+            <a:avLst/>
+          </a:prstGeom>
+          <a:solidFill>
+            <a:schemeClr val="accent1">
+              <a:lumMod val="20000"/>
+              <a:lumOff val="80000"/>
+            </a:schemeClr>
+          </a:solidFill>
+        </p:spPr>
+        <p:style>
+          <a:lnRef idx="2">
+            <a:schemeClr val="accent1">
+              <a:shade val="50000"/>
+            </a:schemeClr>
+          </a:lnRef>
+          <a:fillRef idx="1">
+            <a:schemeClr val="accent1"/>
+          </a:fillRef>
+          <a:effectRef idx="0">
+            <a:schemeClr val="accent1"/>
+          </a:effectRef>
+          <a:fontRef idx="minor">
+            <a:schemeClr val="lt1"/>
+          </a:fontRef>
+        </p:style>
+        <p:txBody>
+          <a:bodyPr rtlCol="0" anchor="ctr"/>
+          <a:lstStyle/>
+          <a:p>
+            <a:r>
+              <a:rPr lang="en-CA" sz="2000" dirty="0" err="1">
+                <a:solidFill>
+                  <a:schemeClr val="tx1"/>
+                </a:solidFill>
+              </a:rPr>
+              <a:t>TfidfVectorizer</a:t>
+            </a:r>
+            <a:r>
+              <a:rPr lang="en-CA" sz="2000" dirty="0">
+                <a:solidFill>
+                  <a:schemeClr val="tx1"/>
+                </a:solidFill>
+              </a:rPr>
+              <a:t>(</a:t>
+            </a:r>
+            <a:r>
+              <a:rPr lang="en-CA" sz="2000" dirty="0" err="1">
+                <a:solidFill>
+                  <a:schemeClr val="tx1"/>
+                </a:solidFill>
+              </a:rPr>
+              <a:t>min_df</a:t>
+            </a:r>
+            <a:r>
+              <a:rPr lang="en-CA" sz="2000" dirty="0">
+                <a:solidFill>
+                  <a:schemeClr val="tx1"/>
+                </a:solidFill>
+              </a:rPr>
+              <a:t>=6,  </a:t>
+            </a:r>
+            <a:r>
+              <a:rPr lang="en-CA" sz="2000" dirty="0" err="1">
+                <a:solidFill>
+                  <a:schemeClr val="tx1"/>
+                </a:solidFill>
+              </a:rPr>
+              <a:t>strip_accents</a:t>
+            </a:r>
+            <a:r>
+              <a:rPr lang="en-CA" sz="2000" dirty="0">
+                <a:solidFill>
+                  <a:schemeClr val="tx1"/>
+                </a:solidFill>
+              </a:rPr>
+              <a:t>='ascii', analyzer='word’,  lowercase=True, </a:t>
+            </a:r>
+            <a:r>
+              <a:rPr lang="en-CA" sz="2000" dirty="0" err="1">
+                <a:solidFill>
+                  <a:schemeClr val="tx1"/>
+                </a:solidFill>
+              </a:rPr>
+              <a:t>ngram_range</a:t>
+            </a:r>
+            <a:r>
+              <a:rPr lang="en-CA" sz="2000" dirty="0">
+                <a:solidFill>
+                  <a:schemeClr val="tx1"/>
+                </a:solidFill>
+              </a:rPr>
+              <a:t>=(1,2),  </a:t>
+            </a:r>
+            <a:r>
+              <a:rPr lang="en-CA" sz="2000" dirty="0" err="1">
+                <a:solidFill>
+                  <a:schemeClr val="tx1"/>
+                </a:solidFill>
+              </a:rPr>
+              <a:t>sublinear_tf</a:t>
+            </a:r>
+            <a:r>
+              <a:rPr lang="en-CA" sz="2000" dirty="0">
+                <a:solidFill>
+                  <a:schemeClr val="tx1"/>
+                </a:solidFill>
+              </a:rPr>
+              <a:t>=False)</a:t>
             </a:r>
           </a:p>
         </p:txBody>
@@ -7857,12 +8044,12 @@
                     <a:p>
                       <a:pPr algn="ctr" fontAlgn="b"/>
                       <a:r>
-                        <a:rPr lang="en-CA" sz="1600" u="none" strike="noStrike">
+                        <a:rPr lang="en-CA" sz="1600" u="none" strike="noStrike" dirty="0">
                           <a:effectLst/>
                         </a:rPr>
                         <a:t>0.78</a:t>
                       </a:r>
-                      <a:endParaRPr lang="en-CA" sz="1600" b="0" i="0" u="none" strike="noStrike">
+                      <a:endParaRPr lang="en-CA" sz="1600" b="0" i="0" u="none" strike="noStrike" dirty="0">
                         <a:solidFill>
                           <a:srgbClr val="000000"/>
                         </a:solidFill>
@@ -8316,14 +8503,14 @@
             <p:ph idx="1"/>
             <p:extLst>
               <p:ext uri="{D42A27DB-BD31-4B8C-83A1-F6EECF244321}">
-                <p14:modId xmlns:p14="http://schemas.microsoft.com/office/powerpoint/2010/main" val="1967880821"/>
+                <p14:modId xmlns:p14="http://schemas.microsoft.com/office/powerpoint/2010/main" val="1317215232"/>
               </p:ext>
             </p:extLst>
           </p:nvPr>
         </p:nvGraphicFramePr>
         <p:xfrm>
-          <a:off x="1610140" y="2080592"/>
-          <a:ext cx="5585789" cy="2749194"/>
+          <a:off x="1610140" y="2080591"/>
+          <a:ext cx="5280992" cy="2888977"/>
         </p:xfrm>
         <a:graphic>
           <a:graphicData uri="http://schemas.openxmlformats.org/drawingml/2006/table">
@@ -8332,35 +8519,35 @@
                 <a:tableStyleId>{74C1A8A3-306A-4EB7-A6B1-4F7E0EB9C5D6}</a:tableStyleId>
               </a:tblPr>
               <a:tblGrid>
-                <a:gridCol w="2298521">
+                <a:gridCol w="2506048">
                   <a:extLst>
                     <a:ext uri="{9D8B030D-6E8A-4147-A177-3AD203B41FA5}">
                       <a16:colId xmlns:a16="http://schemas.microsoft.com/office/drawing/2014/main" val="2665075678"/>
                     </a:ext>
                   </a:extLst>
                 </a:gridCol>
-                <a:gridCol w="821817">
+                <a:gridCol w="896017">
                   <a:extLst>
                     <a:ext uri="{9D8B030D-6E8A-4147-A177-3AD203B41FA5}">
                       <a16:colId xmlns:a16="http://schemas.microsoft.com/office/drawing/2014/main" val="2920554389"/>
                     </a:ext>
                   </a:extLst>
                 </a:gridCol>
-                <a:gridCol w="821817">
+                <a:gridCol w="896017">
                   <a:extLst>
                     <a:ext uri="{9D8B030D-6E8A-4147-A177-3AD203B41FA5}">
                       <a16:colId xmlns:a16="http://schemas.microsoft.com/office/drawing/2014/main" val="3055882177"/>
                     </a:ext>
                   </a:extLst>
                 </a:gridCol>
-                <a:gridCol w="821817">
+                <a:gridCol w="896017">
                   <a:extLst>
                     <a:ext uri="{9D8B030D-6E8A-4147-A177-3AD203B41FA5}">
                       <a16:colId xmlns:a16="http://schemas.microsoft.com/office/drawing/2014/main" val="2729969346"/>
                     </a:ext>
                   </a:extLst>
                 </a:gridCol>
-                <a:gridCol w="821817">
+                <a:gridCol w="86893">
                   <a:extLst>
                     <a:ext uri="{9D8B030D-6E8A-4147-A177-3AD203B41FA5}">
                       <a16:colId xmlns:a16="http://schemas.microsoft.com/office/drawing/2014/main" val="375911723"/>
@@ -8368,7 +8555,7 @@
                   </a:extLst>
                 </a:gridCol>
               </a:tblGrid>
-              <a:tr h="261000">
+              <a:tr h="274270">
                 <a:tc>
                   <a:txBody>
                     <a:bodyPr/>
@@ -8391,14 +8578,14 @@
                     <a:bodyPr/>
                     <a:lstStyle/>
                     <a:p>
-                      <a:pPr algn="l" fontAlgn="b"/>
-                      <a:r>
-                        <a:rPr lang="en-CA" sz="1400" u="none" strike="noStrike">
-                          <a:effectLst/>
-                        </a:rPr>
-                        <a:t>precision</a:t>
-                      </a:r>
-                      <a:endParaRPr lang="en-CA" sz="1400" b="0" i="0" u="none" strike="noStrike">
+                      <a:pPr algn="r" fontAlgn="b"/>
+                      <a:r>
+                        <a:rPr lang="en-CA" sz="1400" u="none" strike="noStrike" dirty="0">
+                          <a:effectLst/>
+                        </a:rPr>
+                        <a:t>Precision</a:t>
+                      </a:r>
+                      <a:endParaRPr lang="en-CA" sz="1400" b="0" i="0" u="none" strike="noStrike" dirty="0">
                         <a:solidFill>
                           <a:srgbClr val="000000"/>
                         </a:solidFill>
@@ -8414,14 +8601,14 @@
                     <a:bodyPr/>
                     <a:lstStyle/>
                     <a:p>
-                      <a:pPr algn="l" fontAlgn="b"/>
-                      <a:r>
-                        <a:rPr lang="en-CA" sz="1400" u="none" strike="noStrike">
+                      <a:pPr algn="r" fontAlgn="b"/>
+                      <a:r>
+                        <a:rPr lang="en-CA" sz="1400" u="none" strike="noStrike" dirty="0">
                           <a:effectLst/>
                         </a:rPr>
                         <a:t>recall</a:t>
                       </a:r>
-                      <a:endParaRPr lang="en-CA" sz="1400" b="0" i="0" u="none" strike="noStrike">
+                      <a:endParaRPr lang="en-CA" sz="1400" b="0" i="0" u="none" strike="noStrike" dirty="0">
                         <a:solidFill>
                           <a:srgbClr val="000000"/>
                         </a:solidFill>
@@ -8437,14 +8624,14 @@
                     <a:bodyPr/>
                     <a:lstStyle/>
                     <a:p>
-                      <a:pPr algn="l" fontAlgn="b"/>
-                      <a:r>
-                        <a:rPr lang="en-CA" sz="1400" u="none" strike="noStrike">
+                      <a:pPr algn="r" fontAlgn="b"/>
+                      <a:r>
+                        <a:rPr lang="en-CA" sz="1400" u="none" strike="noStrike" dirty="0">
                           <a:effectLst/>
                         </a:rPr>
                         <a:t>f1-score</a:t>
                       </a:r>
-                      <a:endParaRPr lang="en-CA" sz="1400" b="0" i="0" u="none" strike="noStrike">
+                      <a:endParaRPr lang="en-CA" sz="1400" b="0" i="0" u="none" strike="noStrike" dirty="0">
                         <a:solidFill>
                           <a:srgbClr val="000000"/>
                         </a:solidFill>
@@ -8460,14 +8647,8 @@
                     <a:bodyPr/>
                     <a:lstStyle/>
                     <a:p>
-                      <a:pPr algn="l" fontAlgn="b"/>
-                      <a:r>
-                        <a:rPr lang="en-CA" sz="1400" u="none" strike="noStrike">
-                          <a:effectLst/>
-                        </a:rPr>
-                        <a:t>support</a:t>
-                      </a:r>
-                      <a:endParaRPr lang="en-CA" sz="1400" b="0" i="0" u="none" strike="noStrike">
+                      <a:pPr algn="r" fontAlgn="b"/>
+                      <a:endParaRPr lang="en-CA" sz="1400" b="0" i="0" u="none" strike="noStrike" dirty="0">
                         <a:solidFill>
                           <a:srgbClr val="000000"/>
                         </a:solidFill>
@@ -8484,7 +8665,7 @@
                   </a:ext>
                 </a:extLst>
               </a:tr>
-              <a:tr h="276466">
+              <a:tr h="290523">
                 <a:tc>
                   <a:txBody>
                     <a:bodyPr/>
@@ -8561,12 +8742,12 @@
                     <a:p>
                       <a:pPr algn="r" fontAlgn="b"/>
                       <a:r>
-                        <a:rPr lang="en-CA" sz="1400" u="none" strike="noStrike">
+                        <a:rPr lang="en-CA" sz="1400" u="none" strike="noStrike" dirty="0">
                           <a:effectLst/>
                         </a:rPr>
                         <a:t>0.78</a:t>
                       </a:r>
-                      <a:endParaRPr lang="en-CA" sz="1400" b="0" i="0" u="none" strike="noStrike">
+                      <a:endParaRPr lang="en-CA" sz="1400" b="0" i="0" u="none" strike="noStrike" dirty="0">
                         <a:solidFill>
                           <a:srgbClr val="000000"/>
                         </a:solidFill>
@@ -8583,13 +8764,7 @@
                     <a:lstStyle/>
                     <a:p>
                       <a:pPr algn="r" fontAlgn="b"/>
-                      <a:r>
-                        <a:rPr lang="en-CA" sz="1400" u="none" strike="noStrike">
-                          <a:effectLst/>
-                        </a:rPr>
-                        <a:t>385</a:t>
-                      </a:r>
-                      <a:endParaRPr lang="en-CA" sz="1400" b="0" i="0" u="none" strike="noStrike">
+                      <a:endParaRPr lang="en-CA" sz="1400" b="0" i="0" u="none" strike="noStrike" dirty="0">
                         <a:solidFill>
                           <a:srgbClr val="000000"/>
                         </a:solidFill>
@@ -8606,7 +8781,7 @@
                   </a:ext>
                 </a:extLst>
               </a:tr>
-              <a:tr h="276466">
+              <a:tr h="290523">
                 <a:tc>
                   <a:txBody>
                     <a:bodyPr/>
@@ -8705,13 +8880,7 @@
                     <a:lstStyle/>
                     <a:p>
                       <a:pPr algn="r" fontAlgn="b"/>
-                      <a:r>
-                        <a:rPr lang="en-CA" sz="1400" u="none" strike="noStrike">
-                          <a:effectLst/>
-                        </a:rPr>
-                        <a:t>395</a:t>
-                      </a:r>
-                      <a:endParaRPr lang="en-CA" sz="1400" b="0" i="0" u="none" strike="noStrike">
+                      <a:endParaRPr lang="en-CA" sz="1400" b="0" i="0" u="none" strike="noStrike" dirty="0">
                         <a:solidFill>
                           <a:srgbClr val="000000"/>
                         </a:solidFill>
@@ -8728,7 +8897,7 @@
                   </a:ext>
                 </a:extLst>
               </a:tr>
-              <a:tr h="276466">
+              <a:tr h="290523">
                 <a:tc>
                   <a:txBody>
                     <a:bodyPr/>
@@ -8827,13 +8996,7 @@
                     <a:lstStyle/>
                     <a:p>
                       <a:pPr algn="r" fontAlgn="b"/>
-                      <a:r>
-                        <a:rPr lang="en-CA" sz="1400" u="none" strike="noStrike">
-                          <a:effectLst/>
-                        </a:rPr>
-                        <a:t>390</a:t>
-                      </a:r>
-                      <a:endParaRPr lang="en-CA" sz="1400" b="0" i="0" u="none" strike="noStrike">
+                      <a:endParaRPr lang="en-CA" sz="1400" b="0" i="0" u="none" strike="noStrike" dirty="0">
                         <a:solidFill>
                           <a:srgbClr val="000000"/>
                         </a:solidFill>
@@ -8850,7 +9013,7 @@
                   </a:ext>
                 </a:extLst>
               </a:tr>
-              <a:tr h="276466">
+              <a:tr h="290523">
                 <a:tc>
                   <a:txBody>
                     <a:bodyPr/>
@@ -8949,13 +9112,7 @@
                     <a:lstStyle/>
                     <a:p>
                       <a:pPr algn="r" fontAlgn="b"/>
-                      <a:r>
-                        <a:rPr lang="en-CA" sz="1400" u="none" strike="noStrike">
-                          <a:effectLst/>
-                        </a:rPr>
-                        <a:t>396</a:t>
-                      </a:r>
-                      <a:endParaRPr lang="en-CA" sz="1400" b="0" i="0" u="none" strike="noStrike">
+                      <a:endParaRPr lang="en-CA" sz="1400" b="0" i="0" u="none" strike="noStrike" dirty="0">
                         <a:solidFill>
                           <a:srgbClr val="000000"/>
                         </a:solidFill>
@@ -8972,7 +9129,7 @@
                   </a:ext>
                 </a:extLst>
               </a:tr>
-              <a:tr h="276466">
+              <a:tr h="290523">
                 <a:tc>
                   <a:txBody>
                     <a:bodyPr/>
@@ -9026,14 +9183,17 @@
                     <a:p>
                       <a:pPr algn="r" fontAlgn="b"/>
                       <a:r>
-                        <a:rPr lang="en-CA" sz="1400" u="none" strike="noStrike">
+                        <a:rPr lang="en-CA" sz="1400" u="none" strike="noStrike" dirty="0">
+                          <a:solidFill>
+                            <a:srgbClr val="FF0000"/>
+                          </a:solidFill>
                           <a:effectLst/>
                         </a:rPr>
                         <a:t>0.83</a:t>
                       </a:r>
-                      <a:endParaRPr lang="en-CA" sz="1400" b="0" i="0" u="none" strike="noStrike">
-                        <a:solidFill>
-                          <a:srgbClr val="000000"/>
+                      <a:endParaRPr lang="en-CA" sz="1400" b="0" i="0" u="none" strike="noStrike" dirty="0">
+                        <a:solidFill>
+                          <a:srgbClr val="FF0000"/>
                         </a:solidFill>
                         <a:effectLst/>
                         <a:latin typeface="Calibri" panose="020F0502020204030204" pitchFamily="34" charset="0"/>
@@ -9049,12 +9209,12 @@
                     <a:p>
                       <a:pPr algn="r" fontAlgn="b"/>
                       <a:r>
-                        <a:rPr lang="en-CA" sz="1400" u="none" strike="noStrike">
+                        <a:rPr lang="en-CA" sz="1400" u="none" strike="noStrike" dirty="0">
                           <a:effectLst/>
                         </a:rPr>
                         <a:t>0.87</a:t>
                       </a:r>
-                      <a:endParaRPr lang="en-CA" sz="1400" b="0" i="0" u="none" strike="noStrike">
+                      <a:endParaRPr lang="en-CA" sz="1400" b="0" i="0" u="none" strike="noStrike" dirty="0">
                         <a:solidFill>
                           <a:srgbClr val="000000"/>
                         </a:solidFill>
@@ -9071,13 +9231,7 @@
                     <a:lstStyle/>
                     <a:p>
                       <a:pPr algn="r" fontAlgn="b"/>
-                      <a:r>
-                        <a:rPr lang="en-CA" sz="1400" u="none" strike="noStrike">
-                          <a:effectLst/>
-                        </a:rPr>
-                        <a:t>397</a:t>
-                      </a:r>
-                      <a:endParaRPr lang="en-CA" sz="1400" b="0" i="0" u="none" strike="noStrike">
+                      <a:endParaRPr lang="en-CA" sz="1400" b="0" i="0" u="none" strike="noStrike" dirty="0">
                         <a:solidFill>
                           <a:srgbClr val="000000"/>
                         </a:solidFill>
@@ -9094,7 +9248,7 @@
                   </a:ext>
                 </a:extLst>
               </a:tr>
-              <a:tr h="276466">
+              <a:tr h="290523">
                 <a:tc>
                   <a:txBody>
                     <a:bodyPr/>
@@ -9196,13 +9350,7 @@
                     <a:lstStyle/>
                     <a:p>
                       <a:pPr algn="r" fontAlgn="b"/>
-                      <a:r>
-                        <a:rPr lang="en-CA" sz="1400" u="none" strike="noStrike">
-                          <a:effectLst/>
-                        </a:rPr>
-                        <a:t>399</a:t>
-                      </a:r>
-                      <a:endParaRPr lang="en-CA" sz="1400" b="0" i="0" u="none" strike="noStrike">
+                      <a:endParaRPr lang="en-CA" sz="1400" b="0" i="0" u="none" strike="noStrike" dirty="0">
                         <a:solidFill>
                           <a:srgbClr val="000000"/>
                         </a:solidFill>
@@ -9219,7 +9367,7 @@
                   </a:ext>
                 </a:extLst>
               </a:tr>
-              <a:tr h="276466">
+              <a:tr h="290523">
                 <a:tc>
                   <a:txBody>
                     <a:bodyPr/>
@@ -9318,12 +9466,6 @@
                     <a:lstStyle/>
                     <a:p>
                       <a:pPr algn="r" fontAlgn="b"/>
-                      <a:r>
-                        <a:rPr lang="en-CA" sz="1400" u="none" strike="noStrike">
-                          <a:effectLst/>
-                        </a:rPr>
-                        <a:t>396</a:t>
-                      </a:r>
                       <a:endParaRPr lang="en-CA" sz="1400" b="0" i="0" u="none" strike="noStrike">
                         <a:solidFill>
                           <a:srgbClr val="000000"/>
@@ -9341,7 +9483,7 @@
                   </a:ext>
                 </a:extLst>
               </a:tr>
-              <a:tr h="276466">
+              <a:tr h="290523">
                 <a:tc>
                   <a:txBody>
                     <a:bodyPr/>
@@ -9449,12 +9591,6 @@
                     <a:lstStyle/>
                     <a:p>
                       <a:pPr algn="r" fontAlgn="b"/>
-                      <a:r>
-                        <a:rPr lang="en-CA" sz="1400" u="none" strike="noStrike">
-                          <a:effectLst/>
-                        </a:rPr>
-                        <a:t>393</a:t>
-                      </a:r>
                       <a:endParaRPr lang="en-CA" sz="1400" b="0" i="0" u="none" strike="noStrike">
                         <a:solidFill>
                           <a:srgbClr val="000000"/>
@@ -9472,7 +9608,7 @@
                   </a:ext>
                 </a:extLst>
               </a:tr>
-              <a:tr h="276466">
+              <a:tr h="290523">
                 <a:tc>
                   <a:txBody>
                     <a:bodyPr/>
@@ -9577,12 +9713,6 @@
                     <a:lstStyle/>
                     <a:p>
                       <a:pPr algn="r" fontAlgn="b"/>
-                      <a:r>
-                        <a:rPr lang="en-CA" sz="1400" u="none" strike="noStrike" dirty="0">
-                          <a:effectLst/>
-                        </a:rPr>
-                        <a:t>3151</a:t>
-                      </a:r>
                       <a:endParaRPr lang="en-CA" sz="1400" b="0" i="0" u="none" strike="noStrike" dirty="0">
                         <a:solidFill>
                           <a:srgbClr val="000000"/>
@@ -9650,13 +9780,20 @@
             <p:ph type="title"/>
           </p:nvPr>
         </p:nvSpPr>
-        <p:spPr/>
+        <p:spPr>
+          <a:xfrm>
+            <a:off x="628650" y="795130"/>
+            <a:ext cx="7886700" cy="895559"/>
+          </a:xfrm>
+        </p:spPr>
         <p:txBody>
-          <a:bodyPr/>
+          <a:bodyPr>
+            <a:noAutofit/>
+          </a:bodyPr>
           <a:lstStyle/>
           <a:p>
             <a:r>
-              <a:rPr lang="en-CA" dirty="0"/>
+              <a:rPr lang="en-CA" sz="3600" dirty="0"/>
               <a:t>Highest scoring features for Naïve Bayes</a:t>
             </a:r>
           </a:p>
@@ -9680,8 +9817,8 @@
         </p:nvSpPr>
         <p:spPr>
           <a:xfrm>
-            <a:off x="628649" y="1690689"/>
-            <a:ext cx="8104533" cy="4060754"/>
+            <a:off x="628650" y="2207524"/>
+            <a:ext cx="8104533" cy="3040337"/>
           </a:xfrm>
         </p:spPr>
         <p:txBody>
@@ -9796,7 +9933,27 @@
             </a:r>
             <a:r>
               <a:rPr lang="en-CA" sz="1600" dirty="0"/>
-              <a:t> player hit pitch team game year</a:t>
+              <a:t> </a:t>
+            </a:r>
+            <a:r>
+              <a:rPr lang="en-CA" sz="1600" dirty="0">
+                <a:solidFill>
+                  <a:srgbClr val="FF0000"/>
+                </a:solidFill>
+              </a:rPr>
+              <a:t>player</a:t>
+            </a:r>
+            <a:r>
+              <a:rPr lang="en-CA" sz="1600" dirty="0"/>
+              <a:t> hit pitch </a:t>
+            </a:r>
+            <a:r>
+              <a:rPr lang="en-CA" sz="1600" dirty="0">
+                <a:solidFill>
+                  <a:srgbClr val="FF0000"/>
+                </a:solidFill>
+              </a:rPr>
+              <a:t>team game year</a:t>
             </a:r>
           </a:p>
           <a:p>
@@ -9814,7 +9971,39 @@
             </a:r>
             <a:r>
               <a:rPr lang="en-CA" sz="1600" dirty="0"/>
-              <a:t> year season player hockey play team game</a:t>
+              <a:t> </a:t>
+            </a:r>
+            <a:r>
+              <a:rPr lang="en-CA" sz="1600" dirty="0">
+                <a:solidFill>
+                  <a:srgbClr val="FF0000"/>
+                </a:solidFill>
+              </a:rPr>
+              <a:t>year</a:t>
+            </a:r>
+            <a:r>
+              <a:rPr lang="en-CA" sz="1600" dirty="0"/>
+              <a:t> season player hockey </a:t>
+            </a:r>
+            <a:r>
+              <a:rPr lang="en-CA" sz="1600" dirty="0">
+                <a:solidFill>
+                  <a:srgbClr val="FF0000"/>
+                </a:solidFill>
+              </a:rPr>
+              <a:t>play</a:t>
+            </a:r>
+            <a:r>
+              <a:rPr lang="en-CA" sz="1600" dirty="0"/>
+              <a:t> </a:t>
+            </a:r>
+            <a:r>
+              <a:rPr lang="en-CA" sz="1600" dirty="0">
+                <a:solidFill>
+                  <a:srgbClr val="FF0000"/>
+                </a:solidFill>
+              </a:rPr>
+              <a:t>team game</a:t>
             </a:r>
           </a:p>
           <a:p>
